--- a/软件项目管理第一次演讲.pptx
+++ b/软件项目管理第一次演讲.pptx
@@ -5,55 +5,57 @@
     <p:sldMasterId id="2147483648" r:id="rId1"/>
   </p:sldMasterIdLst>
   <p:notesMasterIdLst>
-    <p:notesMasterId r:id="rId15"/>
+    <p:notesMasterId r:id="rId17"/>
   </p:notesMasterIdLst>
   <p:sldIdLst>
     <p:sldId id="515" r:id="rId2"/>
     <p:sldId id="525" r:id="rId3"/>
     <p:sldId id="488" r:id="rId4"/>
     <p:sldId id="532" r:id="rId5"/>
-    <p:sldId id="517" r:id="rId6"/>
-    <p:sldId id="552" r:id="rId7"/>
-    <p:sldId id="563" r:id="rId8"/>
-    <p:sldId id="518" r:id="rId9"/>
-    <p:sldId id="560" r:id="rId10"/>
-    <p:sldId id="559" r:id="rId11"/>
-    <p:sldId id="561" r:id="rId12"/>
-    <p:sldId id="284" r:id="rId13"/>
-    <p:sldId id="494" r:id="rId14"/>
+    <p:sldId id="565" r:id="rId6"/>
+    <p:sldId id="517" r:id="rId7"/>
+    <p:sldId id="552" r:id="rId8"/>
+    <p:sldId id="563" r:id="rId9"/>
+    <p:sldId id="518" r:id="rId10"/>
+    <p:sldId id="560" r:id="rId11"/>
+    <p:sldId id="564" r:id="rId12"/>
+    <p:sldId id="559" r:id="rId13"/>
+    <p:sldId id="561" r:id="rId14"/>
+    <p:sldId id="284" r:id="rId15"/>
+    <p:sldId id="494" r:id="rId16"/>
   </p:sldIdLst>
   <p:sldSz cx="12192000" cy="6858000"/>
   <p:notesSz cx="6858000" cy="9144000"/>
   <p:embeddedFontLst>
     <p:embeddedFont>
       <p:font typeface="字体传奇特战体-免费商用" panose="02000500000000000000" pitchFamily="2" charset="-122"/>
-      <p:regular r:id="rId16"/>
+      <p:regular r:id="rId18"/>
     </p:embeddedFont>
     <p:embeddedFont>
       <p:font typeface="等线" panose="02010600030101010101" pitchFamily="2" charset="-122"/>
-      <p:regular r:id="rId17"/>
-      <p:bold r:id="rId18"/>
+      <p:regular r:id="rId19"/>
+      <p:bold r:id="rId20"/>
     </p:embeddedFont>
     <p:embeddedFont>
       <p:font typeface="等线" panose="02010600030101010101" pitchFamily="2" charset="-122"/>
-      <p:regular r:id="rId17"/>
-      <p:bold r:id="rId18"/>
+      <p:regular r:id="rId19"/>
+      <p:bold r:id="rId20"/>
     </p:embeddedFont>
     <p:embeddedFont>
       <p:font typeface="等线 Light" panose="02010600030101010101" pitchFamily="2" charset="-122"/>
-      <p:regular r:id="rId19"/>
+      <p:regular r:id="rId21"/>
     </p:embeddedFont>
     <p:embeddedFont>
       <p:font typeface="Calibri" panose="020F0502020204030204" pitchFamily="34" charset="0"/>
-      <p:regular r:id="rId20"/>
-      <p:bold r:id="rId21"/>
-      <p:italic r:id="rId22"/>
-      <p:boldItalic r:id="rId23"/>
+      <p:regular r:id="rId22"/>
+      <p:bold r:id="rId23"/>
+      <p:italic r:id="rId24"/>
+      <p:boldItalic r:id="rId25"/>
     </p:embeddedFont>
     <p:embeddedFont>
       <p:font typeface="Montserrat Medium" panose="020F0502020204030204" pitchFamily="34" charset="0"/>
-      <p:regular r:id="rId24"/>
-      <p:italic r:id="rId25"/>
+      <p:regular r:id="rId26"/>
+      <p:italic r:id="rId27"/>
     </p:embeddedFont>
   </p:embeddedFontLst>
   <p:defaultTextStyle>
@@ -253,7 +255,7 @@
           <a:p>
             <a:fld id="{D2A48B96-639E-45A3-A0BA-2464DFDB1FAA}" type="datetimeFigureOut">
               <a:rPr lang="zh-CN" altLang="en-US" smtClean="0"/>
-              <a:t>2023/3/28</a:t>
+              <a:t>2023/3/29</a:t>
             </a:fld>
             <a:endParaRPr lang="zh-CN" altLang="en-US"/>
           </a:p>
@@ -1311,7 +1313,7 @@
           <a:p>
             <a:fld id="{D026466F-5BBA-4DCB-8962-3DEB992788DE}" type="datetimeFigureOut">
               <a:rPr lang="zh-CN" altLang="en-US" smtClean="0"/>
-              <a:t>2023/3/28</a:t>
+              <a:t>2023/3/29</a:t>
             </a:fld>
             <a:endParaRPr lang="zh-CN" altLang="en-US"/>
           </a:p>
@@ -1484,7 +1486,7 @@
           <a:p>
             <a:fld id="{D026466F-5BBA-4DCB-8962-3DEB992788DE}" type="datetimeFigureOut">
               <a:rPr lang="zh-CN" altLang="en-US" smtClean="0"/>
-              <a:t>2023/3/28</a:t>
+              <a:t>2023/3/29</a:t>
             </a:fld>
             <a:endParaRPr lang="zh-CN" altLang="en-US"/>
           </a:p>
@@ -1719,7 +1721,7 @@
           <a:p>
             <a:fld id="{34967F84-1C1E-4729-8D0D-3995FEA0E4D1}" type="datetimeFigureOut">
               <a:rPr lang="zh-CN" altLang="en-US" smtClean="0"/>
-              <a:t>2023/3/28</a:t>
+              <a:t>2023/3/29</a:t>
             </a:fld>
             <a:endParaRPr lang="zh-CN" altLang="en-US"/>
           </a:p>
@@ -3323,7 +3325,7 @@
           <a:p>
             <a:fld id="{D026466F-5BBA-4DCB-8962-3DEB992788DE}" type="datetimeFigureOut">
               <a:rPr lang="zh-CN" altLang="en-US" smtClean="0"/>
-              <a:t>2023/3/28</a:t>
+              <a:t>2023/3/29</a:t>
             </a:fld>
             <a:endParaRPr lang="zh-CN" altLang="en-US"/>
           </a:p>
@@ -3682,7 +3684,7 @@
           <a:p>
             <a:fld id="{D026466F-5BBA-4DCB-8962-3DEB992788DE}" type="datetimeFigureOut">
               <a:rPr lang="zh-CN" altLang="en-US" smtClean="0"/>
-              <a:t>2023/3/28</a:t>
+              <a:t>2023/3/29</a:t>
             </a:fld>
             <a:endParaRPr lang="zh-CN" altLang="en-US"/>
           </a:p>
@@ -3794,7 +3796,7 @@
           <a:p>
             <a:fld id="{D026466F-5BBA-4DCB-8962-3DEB992788DE}" type="datetimeFigureOut">
               <a:rPr lang="zh-CN" altLang="en-US" smtClean="0"/>
-              <a:t>2023/3/28</a:t>
+              <a:t>2023/3/29</a:t>
             </a:fld>
             <a:endParaRPr lang="zh-CN" altLang="en-US"/>
           </a:p>
@@ -3884,7 +3886,7 @@
           <a:p>
             <a:fld id="{D026466F-5BBA-4DCB-8962-3DEB992788DE}" type="datetimeFigureOut">
               <a:rPr lang="zh-CN" altLang="en-US" smtClean="0"/>
-              <a:t>2023/3/28</a:t>
+              <a:t>2023/3/29</a:t>
             </a:fld>
             <a:endParaRPr lang="zh-CN" altLang="en-US"/>
           </a:p>
@@ -4154,7 +4156,7 @@
           <a:p>
             <a:fld id="{D026466F-5BBA-4DCB-8962-3DEB992788DE}" type="datetimeFigureOut">
               <a:rPr lang="zh-CN" altLang="en-US" smtClean="0"/>
-              <a:t>2023/3/28</a:t>
+              <a:t>2023/3/29</a:t>
             </a:fld>
             <a:endParaRPr lang="zh-CN" altLang="en-US"/>
           </a:p>
@@ -4401,7 +4403,7 @@
           <a:p>
             <a:fld id="{D026466F-5BBA-4DCB-8962-3DEB992788DE}" type="datetimeFigureOut">
               <a:rPr lang="zh-CN" altLang="en-US" smtClean="0"/>
-              <a:t>2023/3/28</a:t>
+              <a:t>2023/3/29</a:t>
             </a:fld>
             <a:endParaRPr lang="zh-CN" altLang="en-US"/>
           </a:p>
@@ -4609,7 +4611,7 @@
           <a:p>
             <a:fld id="{D026466F-5BBA-4DCB-8962-3DEB992788DE}" type="datetimeFigureOut">
               <a:rPr lang="zh-CN" altLang="en-US" smtClean="0"/>
-              <a:t>2023/3/28</a:t>
+              <a:t>2023/3/29</a:t>
             </a:fld>
             <a:endParaRPr lang="zh-CN" altLang="en-US"/>
           </a:p>
@@ -5530,6 +5532,1734 @@
       </p:grpSpPr>
       <p:grpSp>
         <p:nvGrpSpPr>
+          <p:cNvPr id="4" name="组合 3"/>
+          <p:cNvGrpSpPr/>
+          <p:nvPr/>
+        </p:nvGrpSpPr>
+        <p:grpSpPr>
+          <a:xfrm>
+            <a:off x="155341" y="384074"/>
+            <a:ext cx="1926590" cy="993140"/>
+            <a:chOff x="2669" y="4506"/>
+            <a:chExt cx="3034" cy="1564"/>
+          </a:xfrm>
+        </p:grpSpPr>
+        <p:sp>
+          <p:nvSpPr>
+            <p:cNvPr id="6" name="矩形: 圆角 5"/>
+            <p:cNvSpPr/>
+            <p:nvPr/>
+          </p:nvSpPr>
+          <p:spPr>
+            <a:xfrm>
+              <a:off x="3107" y="4506"/>
+              <a:ext cx="2158" cy="963"/>
+            </a:xfrm>
+            <a:prstGeom prst="roundRect">
+              <a:avLst>
+                <a:gd name="adj" fmla="val 8280"/>
+              </a:avLst>
+            </a:prstGeom>
+            <a:solidFill>
+              <a:schemeClr val="accent1">
+                <a:lumMod val="60000"/>
+                <a:lumOff val="40000"/>
+              </a:schemeClr>
+            </a:solidFill>
+            <a:ln>
+              <a:noFill/>
+            </a:ln>
+          </p:spPr>
+          <p:style>
+            <a:lnRef idx="2">
+              <a:schemeClr val="accent1">
+                <a:shade val="50000"/>
+              </a:schemeClr>
+            </a:lnRef>
+            <a:fillRef idx="1">
+              <a:schemeClr val="accent1"/>
+            </a:fillRef>
+            <a:effectRef idx="0">
+              <a:schemeClr val="accent1"/>
+            </a:effectRef>
+            <a:fontRef idx="minor">
+              <a:schemeClr val="lt1"/>
+            </a:fontRef>
+          </p:style>
+          <p:txBody>
+            <a:bodyPr vertOverflow="overflow" horzOverflow="overflow" vert="horz" wrap="square" numCol="1" spcCol="0" rtlCol="0" fromWordArt="0" anchor="ctr" anchorCtr="0" forceAA="0" compatLnSpc="1">
+              <a:noAutofit/>
+            </a:bodyPr>
+            <a:lstStyle/>
+            <a:p>
+              <a:pPr lvl="0" algn="ctr">
+                <a:buClrTx/>
+                <a:buSzTx/>
+                <a:buFontTx/>
+              </a:pPr>
+              <a:endParaRPr lang="zh-CN" altLang="en-US">
+                <a:latin typeface="阿里巴巴普惠体 R" panose="00020600040101010101" pitchFamily="18" charset="-122"/>
+                <a:ea typeface="阿里巴巴普惠体 R" panose="00020600040101010101" pitchFamily="18" charset="-122"/>
+                <a:sym typeface="+mn-ea"/>
+              </a:endParaRPr>
+            </a:p>
+          </p:txBody>
+        </p:sp>
+        <p:sp>
+          <p:nvSpPr>
+            <p:cNvPr id="28" name="文本框 27"/>
+            <p:cNvSpPr txBox="1"/>
+            <p:nvPr/>
+          </p:nvSpPr>
+          <p:spPr>
+            <a:xfrm>
+              <a:off x="2669" y="4672"/>
+              <a:ext cx="3034" cy="630"/>
+            </a:xfrm>
+            <a:prstGeom prst="rect">
+              <a:avLst/>
+            </a:prstGeom>
+            <a:noFill/>
+          </p:spPr>
+          <p:txBody>
+            <a:bodyPr wrap="square" rtlCol="0">
+              <a:spAutoFit/>
+            </a:bodyPr>
+            <a:lstStyle/>
+            <a:p>
+              <a:pPr algn="ctr"/>
+              <a:r>
+                <a:rPr lang="en-US" altLang="zh-CN" sz="2000" dirty="0">
+                  <a:solidFill>
+                    <a:schemeClr val="bg1"/>
+                  </a:solidFill>
+                  <a:latin typeface="Montserrat Medium" panose="00000600000000000000" charset="0"/>
+                  <a:ea typeface="阿里巴巴普惠体 R" panose="00020600040101010101" pitchFamily="18" charset="-122"/>
+                  <a:cs typeface="Montserrat Medium" panose="00000600000000000000" charset="0"/>
+                </a:rPr>
+                <a:t>Schedule</a:t>
+              </a:r>
+              <a:endParaRPr lang="en-US" altLang="zh-CN" sz="2400" dirty="0">
+                <a:solidFill>
+                  <a:schemeClr val="bg1"/>
+                </a:solidFill>
+                <a:latin typeface="Montserrat Medium" panose="00000600000000000000" charset="0"/>
+                <a:ea typeface="阿里巴巴普惠体 R" panose="00020600040101010101" pitchFamily="18" charset="-122"/>
+                <a:cs typeface="Montserrat Medium" panose="00000600000000000000" charset="0"/>
+              </a:endParaRPr>
+            </a:p>
+          </p:txBody>
+        </p:sp>
+        <p:pic>
+          <p:nvPicPr>
+            <p:cNvPr id="32" name="图片 31"/>
+            <p:cNvPicPr>
+              <a:picLocks noChangeAspect="1"/>
+            </p:cNvPicPr>
+            <p:nvPr/>
+          </p:nvPicPr>
+          <p:blipFill rotWithShape="1">
+            <a:blip r:embed="rId2" cstate="print">
+              <a:duotone>
+                <a:schemeClr val="bg2">
+                  <a:shade val="45000"/>
+                  <a:satMod val="135000"/>
+                </a:schemeClr>
+                <a:prstClr val="white"/>
+              </a:duotone>
+              <a:extLst>
+                <a:ext uri="{28A0092B-C50C-407E-A947-70E740481C1C}">
+                  <a14:useLocalDpi xmlns:a14="http://schemas.microsoft.com/office/drawing/2010/main" val="0"/>
+                </a:ext>
+              </a:extLst>
+            </a:blip>
+            <a:srcRect/>
+            <a:stretch>
+              <a:fillRect/>
+            </a:stretch>
+          </p:blipFill>
+          <p:spPr>
+            <a:xfrm>
+              <a:off x="2925" y="5213"/>
+              <a:ext cx="1300" cy="857"/>
+            </a:xfrm>
+            <a:prstGeom prst="rect">
+              <a:avLst/>
+            </a:prstGeom>
+          </p:spPr>
+        </p:pic>
+      </p:grpSp>
+      <p:grpSp>
+        <p:nvGrpSpPr>
+          <p:cNvPr id="20" name="组合 19"/>
+          <p:cNvGrpSpPr/>
+          <p:nvPr/>
+        </p:nvGrpSpPr>
+        <p:grpSpPr>
+          <a:xfrm>
+            <a:off x="7105068" y="2219088"/>
+            <a:ext cx="320285" cy="466879"/>
+            <a:chOff x="3483951" y="3689703"/>
+            <a:chExt cx="335391" cy="488901"/>
+          </a:xfrm>
+          <a:solidFill>
+            <a:schemeClr val="bg1"/>
+          </a:solidFill>
+        </p:grpSpPr>
+        <p:sp>
+          <p:nvSpPr>
+            <p:cNvPr id="21" name="AutoShape 113"/>
+            <p:cNvSpPr/>
+            <p:nvPr/>
+          </p:nvSpPr>
+          <p:spPr bwMode="auto">
+            <a:xfrm>
+              <a:off x="3483951" y="3689703"/>
+              <a:ext cx="335391" cy="488901"/>
+            </a:xfrm>
+            <a:custGeom>
+              <a:avLst/>
+              <a:gdLst>
+                <a:gd name="T0" fmla="*/ 10800 w 21600"/>
+                <a:gd name="T1" fmla="*/ 10800 h 21600"/>
+                <a:gd name="T2" fmla="*/ 10800 w 21600"/>
+                <a:gd name="T3" fmla="*/ 10800 h 21600"/>
+                <a:gd name="T4" fmla="*/ 10800 w 21600"/>
+                <a:gd name="T5" fmla="*/ 10800 h 21600"/>
+                <a:gd name="T6" fmla="*/ 10800 w 21600"/>
+                <a:gd name="T7" fmla="*/ 10800 h 21600"/>
+              </a:gdLst>
+              <a:ahLst/>
+              <a:cxnLst>
+                <a:cxn ang="0">
+                  <a:pos x="T0" y="T1"/>
+                </a:cxn>
+                <a:cxn ang="0">
+                  <a:pos x="T2" y="T3"/>
+                </a:cxn>
+                <a:cxn ang="0">
+                  <a:pos x="T4" y="T5"/>
+                </a:cxn>
+                <a:cxn ang="0">
+                  <a:pos x="T6" y="T7"/>
+                </a:cxn>
+              </a:cxnLst>
+              <a:rect l="0" t="0" r="r" b="b"/>
+              <a:pathLst>
+                <a:path w="21600" h="21600">
+                  <a:moveTo>
+                    <a:pt x="15386" y="14175"/>
+                  </a:moveTo>
+                  <a:lnTo>
+                    <a:pt x="6223" y="14175"/>
+                  </a:lnTo>
+                  <a:cubicBezTo>
+                    <a:pt x="5734" y="13446"/>
+                    <a:pt x="5147" y="12716"/>
+                    <a:pt x="4568" y="12003"/>
+                  </a:cubicBezTo>
+                  <a:cubicBezTo>
+                    <a:pt x="3287" y="10427"/>
+                    <a:pt x="1963" y="8797"/>
+                    <a:pt x="1963" y="7425"/>
+                  </a:cubicBezTo>
+                  <a:cubicBezTo>
+                    <a:pt x="1963" y="4075"/>
+                    <a:pt x="5927" y="1350"/>
+                    <a:pt x="10800" y="1350"/>
+                  </a:cubicBezTo>
+                  <a:cubicBezTo>
+                    <a:pt x="15672" y="1350"/>
+                    <a:pt x="19636" y="4075"/>
+                    <a:pt x="19636" y="7425"/>
+                  </a:cubicBezTo>
+                  <a:cubicBezTo>
+                    <a:pt x="19636" y="8787"/>
+                    <a:pt x="18312" y="10425"/>
+                    <a:pt x="17029" y="12011"/>
+                  </a:cubicBezTo>
+                  <a:cubicBezTo>
+                    <a:pt x="16455" y="12723"/>
+                    <a:pt x="15873" y="13449"/>
+                    <a:pt x="15386" y="14175"/>
+                  </a:cubicBezTo>
+                  <a:moveTo>
+                    <a:pt x="10800" y="20249"/>
+                  </a:moveTo>
+                  <a:cubicBezTo>
+                    <a:pt x="9805" y="20249"/>
+                    <a:pt x="9347" y="20171"/>
+                    <a:pt x="8839" y="19406"/>
+                  </a:cubicBezTo>
+                  <a:lnTo>
+                    <a:pt x="13000" y="19048"/>
+                  </a:lnTo>
+                  <a:cubicBezTo>
+                    <a:pt x="12398" y="20164"/>
+                    <a:pt x="11959" y="20249"/>
+                    <a:pt x="10800" y="20249"/>
+                  </a:cubicBezTo>
+                  <a:moveTo>
+                    <a:pt x="7595" y="16813"/>
+                  </a:moveTo>
+                  <a:cubicBezTo>
+                    <a:pt x="7417" y="16407"/>
+                    <a:pt x="7215" y="15978"/>
+                    <a:pt x="6991" y="15525"/>
+                  </a:cubicBezTo>
+                  <a:lnTo>
+                    <a:pt x="14616" y="15525"/>
+                  </a:lnTo>
+                  <a:cubicBezTo>
+                    <a:pt x="14496" y="15767"/>
+                    <a:pt x="14375" y="16010"/>
+                    <a:pt x="14270" y="16239"/>
+                  </a:cubicBezTo>
+                  <a:cubicBezTo>
+                    <a:pt x="14270" y="16239"/>
+                    <a:pt x="7595" y="16813"/>
+                    <a:pt x="7595" y="16813"/>
+                  </a:cubicBezTo>
+                  <a:close/>
+                  <a:moveTo>
+                    <a:pt x="13345" y="18343"/>
+                  </a:moveTo>
+                  <a:lnTo>
+                    <a:pt x="8476" y="18762"/>
+                  </a:lnTo>
+                  <a:cubicBezTo>
+                    <a:pt x="8303" y="18416"/>
+                    <a:pt x="8116" y="18011"/>
+                    <a:pt x="7890" y="17483"/>
+                  </a:cubicBezTo>
+                  <a:cubicBezTo>
+                    <a:pt x="7887" y="17477"/>
+                    <a:pt x="7883" y="17469"/>
+                    <a:pt x="7881" y="17462"/>
+                  </a:cubicBezTo>
+                  <a:lnTo>
+                    <a:pt x="13957" y="16941"/>
+                  </a:lnTo>
+                  <a:cubicBezTo>
+                    <a:pt x="13871" y="17140"/>
+                    <a:pt x="13778" y="17350"/>
+                    <a:pt x="13698" y="17537"/>
+                  </a:cubicBezTo>
+                  <a:cubicBezTo>
+                    <a:pt x="13569" y="17841"/>
+                    <a:pt x="13453" y="18104"/>
+                    <a:pt x="13345" y="18343"/>
+                  </a:cubicBezTo>
+                  <a:moveTo>
+                    <a:pt x="10800" y="0"/>
+                  </a:moveTo>
+                  <a:cubicBezTo>
+                    <a:pt x="4835" y="0"/>
+                    <a:pt x="0" y="3324"/>
+                    <a:pt x="0" y="7425"/>
+                  </a:cubicBezTo>
+                  <a:cubicBezTo>
+                    <a:pt x="0" y="10146"/>
+                    <a:pt x="3621" y="13029"/>
+                    <a:pt x="4939" y="15562"/>
+                  </a:cubicBezTo>
+                  <a:cubicBezTo>
+                    <a:pt x="6906" y="19339"/>
+                    <a:pt x="6688" y="21599"/>
+                    <a:pt x="10800" y="21599"/>
+                  </a:cubicBezTo>
+                  <a:cubicBezTo>
+                    <a:pt x="14972" y="21599"/>
+                    <a:pt x="14692" y="19349"/>
+                    <a:pt x="16660" y="15577"/>
+                  </a:cubicBezTo>
+                  <a:cubicBezTo>
+                    <a:pt x="17983" y="13039"/>
+                    <a:pt x="21600" y="10124"/>
+                    <a:pt x="21600" y="7425"/>
+                  </a:cubicBezTo>
+                  <a:cubicBezTo>
+                    <a:pt x="21600" y="3324"/>
+                    <a:pt x="16764" y="0"/>
+                    <a:pt x="10800" y="0"/>
+                  </a:cubicBezTo>
+                </a:path>
+              </a:pathLst>
+            </a:custGeom>
+            <a:grpFill/>
+            <a:ln>
+              <a:noFill/>
+            </a:ln>
+          </p:spPr>
+          <p:style>
+            <a:lnRef idx="2">
+              <a:schemeClr val="accent1">
+                <a:shade val="50000"/>
+              </a:schemeClr>
+            </a:lnRef>
+            <a:fillRef idx="1">
+              <a:schemeClr val="accent1"/>
+            </a:fillRef>
+            <a:effectRef idx="0">
+              <a:schemeClr val="accent1"/>
+            </a:effectRef>
+            <a:fontRef idx="minor">
+              <a:schemeClr val="lt1"/>
+            </a:fontRef>
+          </p:style>
+          <p:txBody>
+            <a:bodyPr rot="0" spcFirstLastPara="0" vertOverflow="overflow" horzOverflow="overflow" vert="horz" wrap="square" lIns="91440" tIns="45720" rIns="91440" bIns="45720" numCol="1" spcCol="0" rtlCol="0" fromWordArt="0" anchor="ctr" anchorCtr="0" forceAA="0" compatLnSpc="1">
+              <a:noAutofit/>
+            </a:bodyPr>
+            <a:lstStyle/>
+            <a:p>
+              <a:pPr algn="ctr"/>
+              <a:endParaRPr lang="en-US">
+                <a:solidFill>
+                  <a:schemeClr val="lt1"/>
+                </a:solidFill>
+                <a:latin typeface="阿里巴巴普惠体 R" panose="00020600040101010101" pitchFamily="18" charset="-122"/>
+              </a:endParaRPr>
+            </a:p>
+          </p:txBody>
+        </p:sp>
+        <p:sp>
+          <p:nvSpPr>
+            <p:cNvPr id="22" name="AutoShape 114"/>
+            <p:cNvSpPr/>
+            <p:nvPr/>
+          </p:nvSpPr>
+          <p:spPr bwMode="auto">
+            <a:xfrm>
+              <a:off x="3559873" y="3766460"/>
+              <a:ext cx="99281" cy="99281"/>
+            </a:xfrm>
+            <a:custGeom>
+              <a:avLst/>
+              <a:gdLst>
+                <a:gd name="T0" fmla="*/ 10800 w 21600"/>
+                <a:gd name="T1" fmla="*/ 10800 h 21600"/>
+                <a:gd name="T2" fmla="*/ 10800 w 21600"/>
+                <a:gd name="T3" fmla="*/ 10800 h 21600"/>
+                <a:gd name="T4" fmla="*/ 10800 w 21600"/>
+                <a:gd name="T5" fmla="*/ 10800 h 21600"/>
+                <a:gd name="T6" fmla="*/ 10800 w 21600"/>
+                <a:gd name="T7" fmla="*/ 10800 h 21600"/>
+              </a:gdLst>
+              <a:ahLst/>
+              <a:cxnLst>
+                <a:cxn ang="0">
+                  <a:pos x="T0" y="T1"/>
+                </a:cxn>
+                <a:cxn ang="0">
+                  <a:pos x="T2" y="T3"/>
+                </a:cxn>
+                <a:cxn ang="0">
+                  <a:pos x="T4" y="T5"/>
+                </a:cxn>
+                <a:cxn ang="0">
+                  <a:pos x="T6" y="T7"/>
+                </a:cxn>
+              </a:cxnLst>
+              <a:rect l="0" t="0" r="r" b="b"/>
+              <a:pathLst>
+                <a:path w="21600" h="21600">
+                  <a:moveTo>
+                    <a:pt x="19938" y="0"/>
+                  </a:moveTo>
+                  <a:cubicBezTo>
+                    <a:pt x="8943" y="0"/>
+                    <a:pt x="0" y="8942"/>
+                    <a:pt x="0" y="19938"/>
+                  </a:cubicBezTo>
+                  <a:cubicBezTo>
+                    <a:pt x="0" y="20855"/>
+                    <a:pt x="743" y="21600"/>
+                    <a:pt x="1661" y="21600"/>
+                  </a:cubicBezTo>
+                  <a:cubicBezTo>
+                    <a:pt x="2579" y="21600"/>
+                    <a:pt x="3323" y="20855"/>
+                    <a:pt x="3323" y="19938"/>
+                  </a:cubicBezTo>
+                  <a:cubicBezTo>
+                    <a:pt x="3323" y="10777"/>
+                    <a:pt x="10777" y="3323"/>
+                    <a:pt x="19938" y="3323"/>
+                  </a:cubicBezTo>
+                  <a:cubicBezTo>
+                    <a:pt x="20856" y="3323"/>
+                    <a:pt x="21600" y="2578"/>
+                    <a:pt x="21600" y="1661"/>
+                  </a:cubicBezTo>
+                  <a:cubicBezTo>
+                    <a:pt x="21600" y="744"/>
+                    <a:pt x="20856" y="0"/>
+                    <a:pt x="19938" y="0"/>
+                  </a:cubicBezTo>
+                </a:path>
+              </a:pathLst>
+            </a:custGeom>
+            <a:grpFill/>
+            <a:ln>
+              <a:noFill/>
+            </a:ln>
+          </p:spPr>
+          <p:style>
+            <a:lnRef idx="2">
+              <a:schemeClr val="accent1">
+                <a:shade val="50000"/>
+              </a:schemeClr>
+            </a:lnRef>
+            <a:fillRef idx="1">
+              <a:schemeClr val="accent1"/>
+            </a:fillRef>
+            <a:effectRef idx="0">
+              <a:schemeClr val="accent1"/>
+            </a:effectRef>
+            <a:fontRef idx="minor">
+              <a:schemeClr val="lt1"/>
+            </a:fontRef>
+          </p:style>
+          <p:txBody>
+            <a:bodyPr rot="0" spcFirstLastPara="0" vertOverflow="overflow" horzOverflow="overflow" vert="horz" wrap="square" lIns="91440" tIns="45720" rIns="91440" bIns="45720" numCol="1" spcCol="0" rtlCol="0" fromWordArt="0" anchor="ctr" anchorCtr="0" forceAA="0" compatLnSpc="1">
+              <a:noAutofit/>
+            </a:bodyPr>
+            <a:lstStyle/>
+            <a:p>
+              <a:pPr algn="ctr"/>
+              <a:endParaRPr lang="en-US">
+                <a:solidFill>
+                  <a:schemeClr val="lt1"/>
+                </a:solidFill>
+                <a:latin typeface="阿里巴巴普惠体 R" panose="00020600040101010101" pitchFamily="18" charset="-122"/>
+              </a:endParaRPr>
+            </a:p>
+          </p:txBody>
+        </p:sp>
+      </p:grpSp>
+      <p:sp>
+        <p:nvSpPr>
+          <p:cNvPr id="8" name="矩形 7">
+            <a:extLst>
+              <a:ext uri="{FF2B5EF4-FFF2-40B4-BE49-F238E27FC236}">
+                <a16:creationId xmlns:a16="http://schemas.microsoft.com/office/drawing/2014/main" id="{9BBB44BA-3155-E7EF-E98B-D8FAC199BD4C}"/>
+              </a:ext>
+            </a:extLst>
+          </p:cNvPr>
+          <p:cNvSpPr/>
+          <p:nvPr/>
+        </p:nvSpPr>
+        <p:spPr>
+          <a:xfrm>
+            <a:off x="3072437" y="606667"/>
+            <a:ext cx="5630888" cy="935269"/>
+          </a:xfrm>
+          <a:prstGeom prst="rect">
+            <a:avLst/>
+          </a:prstGeom>
+          <a:solidFill>
+            <a:srgbClr val="8FAADC"/>
+          </a:solidFill>
+          <a:ln>
+            <a:noFill/>
+          </a:ln>
+          <a:effectLst/>
+        </p:spPr>
+        <p:style>
+          <a:lnRef idx="2">
+            <a:schemeClr val="accent1">
+              <a:shade val="50000"/>
+            </a:schemeClr>
+          </a:lnRef>
+          <a:fillRef idx="1">
+            <a:schemeClr val="accent1"/>
+          </a:fillRef>
+          <a:effectRef idx="0">
+            <a:schemeClr val="accent1"/>
+          </a:effectRef>
+          <a:fontRef idx="minor">
+            <a:schemeClr val="lt1"/>
+          </a:fontRef>
+        </p:style>
+        <p:txBody>
+          <a:bodyPr rtlCol="0" anchor="ctr"/>
+          <a:lstStyle/>
+          <a:p>
+            <a:pPr algn="ctr" defTabSz="914400"/>
+            <a:endParaRPr lang="zh-CN" altLang="en-US" dirty="0">
+              <a:latin typeface="阿里巴巴普惠体 R" panose="00020600040101010101" pitchFamily="18" charset="-122"/>
+              <a:ea typeface="阿里巴巴普惠体 R" panose="00020600040101010101" pitchFamily="18" charset="-122"/>
+            </a:endParaRPr>
+          </a:p>
+        </p:txBody>
+      </p:sp>
+      <p:sp>
+        <p:nvSpPr>
+          <p:cNvPr id="10" name="文本框 9">
+            <a:extLst>
+              <a:ext uri="{FF2B5EF4-FFF2-40B4-BE49-F238E27FC236}">
+                <a16:creationId xmlns:a16="http://schemas.microsoft.com/office/drawing/2014/main" id="{449B5BE9-1E19-F2F7-5C1C-5CCC3F4E3101}"/>
+              </a:ext>
+            </a:extLst>
+          </p:cNvPr>
+          <p:cNvSpPr txBox="1"/>
+          <p:nvPr/>
+        </p:nvSpPr>
+        <p:spPr>
+          <a:xfrm>
+            <a:off x="3360092" y="621506"/>
+            <a:ext cx="5063345" cy="743986"/>
+          </a:xfrm>
+          <a:prstGeom prst="rect">
+            <a:avLst/>
+          </a:prstGeom>
+          <a:noFill/>
+        </p:spPr>
+        <p:txBody>
+          <a:bodyPr wrap="square" rtlCol="0">
+            <a:spAutoFit/>
+          </a:bodyPr>
+          <a:lstStyle/>
+          <a:p>
+            <a:pPr algn="ctr">
+              <a:lnSpc>
+                <a:spcPct val="150000"/>
+              </a:lnSpc>
+            </a:pPr>
+            <a:r>
+              <a:rPr lang="en" altLang="zh-CN" sz="3200" dirty="0">
+                <a:solidFill>
+                  <a:schemeClr val="bg1"/>
+                </a:solidFill>
+                <a:latin typeface="阿里巴巴普惠体 R" panose="00020600040101010101" pitchFamily="18" charset="-122"/>
+                <a:ea typeface="阿里巴巴普惠体 R" panose="00020600040101010101" pitchFamily="18" charset="-122"/>
+              </a:rPr>
+              <a:t>Arrangement</a:t>
+            </a:r>
+            <a:endParaRPr lang="zh-CN" altLang="en-US" sz="3200" dirty="0">
+              <a:solidFill>
+                <a:schemeClr val="bg1"/>
+              </a:solidFill>
+              <a:latin typeface="阿里巴巴普惠体 R" panose="00020600040101010101" pitchFamily="18" charset="-122"/>
+              <a:ea typeface="阿里巴巴普惠体 R" panose="00020600040101010101" pitchFamily="18" charset="-122"/>
+            </a:endParaRPr>
+          </a:p>
+        </p:txBody>
+      </p:sp>
+      <p:sp>
+        <p:nvSpPr>
+          <p:cNvPr id="3" name="文本框 2">
+            <a:extLst>
+              <a:ext uri="{FF2B5EF4-FFF2-40B4-BE49-F238E27FC236}">
+                <a16:creationId xmlns:a16="http://schemas.microsoft.com/office/drawing/2014/main" id="{FAF4E99B-91D8-7FDD-5464-2D865ABC4AA9}"/>
+              </a:ext>
+            </a:extLst>
+          </p:cNvPr>
+          <p:cNvSpPr txBox="1"/>
+          <p:nvPr/>
+        </p:nvSpPr>
+        <p:spPr>
+          <a:xfrm>
+            <a:off x="692150" y="2492023"/>
+            <a:ext cx="10432973" cy="3221523"/>
+          </a:xfrm>
+          <a:prstGeom prst="rect">
+            <a:avLst/>
+          </a:prstGeom>
+          <a:noFill/>
+        </p:spPr>
+        <p:txBody>
+          <a:bodyPr wrap="square" rtlCol="0">
+            <a:spAutoFit/>
+          </a:bodyPr>
+          <a:lstStyle/>
+          <a:p>
+            <a:pPr>
+              <a:lnSpc>
+                <a:spcPct val="150000"/>
+              </a:lnSpc>
+            </a:pPr>
+            <a:r>
+              <a:rPr lang="zh-CN" altLang="en-US" sz="2400" dirty="0">
+                <a:solidFill>
+                  <a:schemeClr val="tx1">
+                    <a:lumMod val="65000"/>
+                    <a:lumOff val="35000"/>
+                  </a:schemeClr>
+                </a:solidFill>
+                <a:ea typeface="阿里巴巴普惠体 R" panose="00020600040101010101" pitchFamily="18" charset="-122"/>
+              </a:rPr>
+              <a:t>        </a:t>
+            </a:r>
+            <a:r>
+              <a:rPr lang="zh-CN" altLang="en-US" kern="100" dirty="0">
+                <a:latin typeface="DengXian" panose="02010600030101010101" pitchFamily="2" charset="-122"/>
+                <a:ea typeface="DengXian" panose="02010600030101010101" pitchFamily="2" charset="-122"/>
+                <a:cs typeface="Times New Roman" panose="02020603050405020304" pitchFamily="18" charset="0"/>
+              </a:rPr>
+              <a:t>许文杰：</a:t>
+            </a:r>
+            <a:r>
+              <a:rPr lang="en-GB" altLang="zh-CN" kern="100" dirty="0">
+                <a:latin typeface="DengXian" panose="02010600030101010101" pitchFamily="2" charset="-122"/>
+                <a:ea typeface="DengXian" panose="02010600030101010101" pitchFamily="2" charset="-122"/>
+                <a:cs typeface="Times New Roman" panose="02020603050405020304" pitchFamily="18" charset="0"/>
+              </a:rPr>
+              <a:t> Demand Analysis</a:t>
+            </a:r>
+            <a:r>
+              <a:rPr lang="zh-CN" altLang="en-US" kern="100" dirty="0">
+                <a:latin typeface="DengXian" panose="02010600030101010101" pitchFamily="2" charset="-122"/>
+                <a:ea typeface="DengXian" panose="02010600030101010101" pitchFamily="2" charset="-122"/>
+                <a:cs typeface="Times New Roman" panose="02020603050405020304" pitchFamily="18" charset="0"/>
+              </a:rPr>
+              <a:t>、</a:t>
+            </a:r>
+            <a:r>
+              <a:rPr lang="en-US" altLang="zh-CN" kern="100" dirty="0">
+                <a:latin typeface="DengXian" panose="02010600030101010101" pitchFamily="2" charset="-122"/>
+                <a:ea typeface="DengXian" panose="02010600030101010101" pitchFamily="2" charset="-122"/>
+                <a:cs typeface="Times New Roman" panose="02020603050405020304" pitchFamily="18" charset="0"/>
+              </a:rPr>
+              <a:t>Outline Design</a:t>
+            </a:r>
+            <a:r>
+              <a:rPr lang="zh-CN" altLang="en-US" kern="100" dirty="0">
+                <a:latin typeface="DengXian" panose="02010600030101010101" pitchFamily="2" charset="-122"/>
+                <a:ea typeface="DengXian" panose="02010600030101010101" pitchFamily="2" charset="-122"/>
+                <a:cs typeface="Times New Roman" panose="02020603050405020304" pitchFamily="18" charset="0"/>
+              </a:rPr>
+              <a:t>、</a:t>
+            </a:r>
+            <a:r>
+              <a:rPr lang="en-US" altLang="zh-CN" kern="100" dirty="0">
+                <a:latin typeface="DengXian" panose="02010600030101010101" pitchFamily="2" charset="-122"/>
+                <a:ea typeface="DengXian" panose="02010600030101010101" pitchFamily="2" charset="-122"/>
+                <a:cs typeface="Times New Roman" panose="02020603050405020304" pitchFamily="18" charset="0"/>
+              </a:rPr>
+              <a:t>Detailed Design</a:t>
+            </a:r>
+            <a:r>
+              <a:rPr lang="zh-CN" altLang="en-US" kern="100" dirty="0">
+                <a:latin typeface="DengXian" panose="02010600030101010101" pitchFamily="2" charset="-122"/>
+                <a:ea typeface="DengXian" panose="02010600030101010101" pitchFamily="2" charset="-122"/>
+                <a:cs typeface="Times New Roman" panose="02020603050405020304" pitchFamily="18" charset="0"/>
+              </a:rPr>
+              <a:t>、</a:t>
+            </a:r>
+            <a:r>
+              <a:rPr lang="en-GB" altLang="zh-CN" kern="100" dirty="0">
+                <a:latin typeface="DengXian" panose="02010600030101010101" pitchFamily="2" charset="-122"/>
+                <a:ea typeface="DengXian" panose="02010600030101010101" pitchFamily="2" charset="-122"/>
+                <a:cs typeface="Times New Roman" panose="02020603050405020304" pitchFamily="18" charset="0"/>
+              </a:rPr>
+              <a:t> Back-end Implementation</a:t>
+            </a:r>
+          </a:p>
+          <a:p>
+            <a:pPr>
+              <a:lnSpc>
+                <a:spcPct val="150000"/>
+              </a:lnSpc>
+            </a:pPr>
+            <a:endParaRPr lang="en-GB" altLang="zh-CN" kern="100" dirty="0">
+              <a:latin typeface="DengXian" panose="02010600030101010101" pitchFamily="2" charset="-122"/>
+              <a:ea typeface="DengXian" panose="02010600030101010101" pitchFamily="2" charset="-122"/>
+              <a:cs typeface="Times New Roman" panose="02020603050405020304" pitchFamily="18" charset="0"/>
+            </a:endParaRPr>
+          </a:p>
+          <a:p>
+            <a:pPr>
+              <a:lnSpc>
+                <a:spcPct val="150000"/>
+              </a:lnSpc>
+            </a:pPr>
+            <a:r>
+              <a:rPr lang="en-GB" altLang="zh-CN" kern="100" dirty="0">
+                <a:latin typeface="DengXian" panose="02010600030101010101" pitchFamily="2" charset="-122"/>
+                <a:ea typeface="DengXian" panose="02010600030101010101" pitchFamily="2" charset="-122"/>
+                <a:cs typeface="Times New Roman" panose="02020603050405020304" pitchFamily="18" charset="0"/>
+              </a:rPr>
+              <a:t> </a:t>
+            </a:r>
+            <a:r>
+              <a:rPr lang="en-US" altLang="en-GB" kern="100" dirty="0">
+                <a:latin typeface="DengXian" panose="02010600030101010101" pitchFamily="2" charset="-122"/>
+                <a:ea typeface="DengXian" panose="02010600030101010101" pitchFamily="2" charset="-122"/>
+                <a:cs typeface="Times New Roman" panose="02020603050405020304" pitchFamily="18" charset="0"/>
+              </a:rPr>
+              <a:t>          </a:t>
+            </a:r>
+            <a:r>
+              <a:rPr lang="zh-CN" altLang="en-US" kern="100" dirty="0">
+                <a:latin typeface="DengXian" panose="02010600030101010101" pitchFamily="2" charset="-122"/>
+                <a:ea typeface="DengXian" panose="02010600030101010101" pitchFamily="2" charset="-122"/>
+                <a:cs typeface="Times New Roman" panose="02020603050405020304" pitchFamily="18" charset="0"/>
+              </a:rPr>
+              <a:t>陆仟龙：</a:t>
+            </a:r>
+            <a:r>
+              <a:rPr lang="en-US" altLang="zh-CN" kern="100" dirty="0">
+                <a:latin typeface="DengXian" panose="02010600030101010101" pitchFamily="2" charset="-122"/>
+                <a:ea typeface="DengXian" panose="02010600030101010101" pitchFamily="2" charset="-122"/>
+                <a:cs typeface="Times New Roman" panose="02020603050405020304" pitchFamily="18" charset="0"/>
+              </a:rPr>
+              <a:t>Main </a:t>
+            </a:r>
+            <a:r>
+              <a:rPr lang="zh-CN" altLang="en-US" kern="100" dirty="0">
+                <a:latin typeface="DengXian" panose="02010600030101010101" pitchFamily="2" charset="-122"/>
+                <a:ea typeface="DengXian" panose="02010600030101010101" pitchFamily="2" charset="-122"/>
+                <a:cs typeface="Times New Roman" panose="02020603050405020304" pitchFamily="18" charset="0"/>
+              </a:rPr>
+              <a:t>Front-end implementation</a:t>
+            </a:r>
+            <a:endParaRPr lang="en-US" altLang="zh-CN" kern="100" dirty="0">
+              <a:latin typeface="DengXian" panose="02010600030101010101" pitchFamily="2" charset="-122"/>
+              <a:ea typeface="DengXian" panose="02010600030101010101" pitchFamily="2" charset="-122"/>
+              <a:cs typeface="Times New Roman" panose="02020603050405020304" pitchFamily="18" charset="0"/>
+            </a:endParaRPr>
+          </a:p>
+          <a:p>
+            <a:pPr>
+              <a:lnSpc>
+                <a:spcPct val="150000"/>
+              </a:lnSpc>
+            </a:pPr>
+            <a:endParaRPr lang="en-US" altLang="zh-CN" kern="100" dirty="0">
+              <a:latin typeface="DengXian" panose="02010600030101010101" pitchFamily="2" charset="-122"/>
+              <a:ea typeface="DengXian" panose="02010600030101010101" pitchFamily="2" charset="-122"/>
+              <a:cs typeface="Times New Roman" panose="02020603050405020304" pitchFamily="18" charset="0"/>
+            </a:endParaRPr>
+          </a:p>
+          <a:p>
+            <a:pPr>
+              <a:lnSpc>
+                <a:spcPct val="150000"/>
+              </a:lnSpc>
+            </a:pPr>
+            <a:r>
+              <a:rPr lang="en-US" altLang="zh-CN" kern="100" dirty="0">
+                <a:latin typeface="DengXian" panose="02010600030101010101" pitchFamily="2" charset="-122"/>
+                <a:ea typeface="DengXian" panose="02010600030101010101" pitchFamily="2" charset="-122"/>
+                <a:cs typeface="Times New Roman" panose="02020603050405020304" pitchFamily="18" charset="0"/>
+              </a:rPr>
+              <a:t>           </a:t>
+            </a:r>
+            <a:r>
+              <a:rPr lang="zh-CN" altLang="en-US" kern="100" dirty="0">
+                <a:latin typeface="DengXian" panose="02010600030101010101" pitchFamily="2" charset="-122"/>
+                <a:ea typeface="DengXian" panose="02010600030101010101" pitchFamily="2" charset="-122"/>
+                <a:cs typeface="Times New Roman" panose="02020603050405020304" pitchFamily="18" charset="0"/>
+              </a:rPr>
+              <a:t>赵睿睿：Provide front-end development ideas and requirements、</a:t>
+            </a:r>
+            <a:r>
+              <a:rPr lang="zh-CN" altLang="en-US" kern="100" dirty="0">
+                <a:latin typeface="DengXian" panose="02010600030101010101" pitchFamily="2" charset="-122"/>
+                <a:ea typeface="DengXian" panose="02010600030101010101" pitchFamily="2" charset="-122"/>
+                <a:cs typeface="Times New Roman" panose="02020603050405020304" pitchFamily="18" charset="0"/>
+                <a:sym typeface="+mn-ea"/>
+              </a:rPr>
+              <a:t>interface debugging</a:t>
+            </a:r>
+            <a:endParaRPr lang="zh-CN" altLang="en-US" kern="100" dirty="0">
+              <a:latin typeface="DengXian" panose="02010600030101010101" pitchFamily="2" charset="-122"/>
+              <a:ea typeface="DengXian" panose="02010600030101010101" pitchFamily="2" charset="-122"/>
+              <a:cs typeface="Times New Roman" panose="02020603050405020304" pitchFamily="18" charset="0"/>
+            </a:endParaRPr>
+          </a:p>
+          <a:p>
+            <a:pPr indent="457200">
+              <a:lnSpc>
+                <a:spcPct val="150000"/>
+              </a:lnSpc>
+            </a:pPr>
+            <a:endParaRPr lang="zh-CN" altLang="en-US" kern="100" dirty="0">
+              <a:latin typeface="DengXian" panose="02010600030101010101" pitchFamily="2" charset="-122"/>
+              <a:ea typeface="DengXian" panose="02010600030101010101" pitchFamily="2" charset="-122"/>
+              <a:cs typeface="Times New Roman" panose="02020603050405020304" pitchFamily="18" charset="0"/>
+            </a:endParaRPr>
+          </a:p>
+          <a:p>
+            <a:pPr>
+              <a:lnSpc>
+                <a:spcPct val="150000"/>
+              </a:lnSpc>
+            </a:pPr>
+            <a:endParaRPr lang="zh-CN" altLang="en-US" sz="2400" dirty="0">
+              <a:solidFill>
+                <a:schemeClr val="tx1">
+                  <a:lumMod val="65000"/>
+                  <a:lumOff val="35000"/>
+                </a:schemeClr>
+              </a:solidFill>
+              <a:ea typeface="阿里巴巴普惠体 R" panose="00020600040101010101" pitchFamily="18" charset="-122"/>
+            </a:endParaRPr>
+          </a:p>
+        </p:txBody>
+      </p:sp>
+    </p:spTree>
+    <p:extLst>
+      <p:ext uri="{BB962C8B-B14F-4D97-AF65-F5344CB8AC3E}">
+        <p14:creationId xmlns:p14="http://schemas.microsoft.com/office/powerpoint/2010/main" val="3228179274"/>
+      </p:ext>
+    </p:extLst>
+  </p:cSld>
+  <p:clrMapOvr>
+    <a:masterClrMapping/>
+  </p:clrMapOvr>
+</p:sld>
+</file>
+
+<file path=ppt/slides/slide11.xml><?xml version="1.0" encoding="utf-8"?>
+<p:sld xmlns:a="http://schemas.openxmlformats.org/drawingml/2006/main" xmlns:r="http://schemas.openxmlformats.org/officeDocument/2006/relationships" xmlns:p="http://schemas.openxmlformats.org/presentationml/2006/main">
+  <p:cSld>
+    <p:spTree>
+      <p:nvGrpSpPr>
+        <p:cNvPr id="1" name=""/>
+        <p:cNvGrpSpPr/>
+        <p:nvPr/>
+      </p:nvGrpSpPr>
+      <p:grpSpPr>
+        <a:xfrm>
+          <a:off x="0" y="0"/>
+          <a:ext cx="0" cy="0"/>
+          <a:chOff x="0" y="0"/>
+          <a:chExt cx="0" cy="0"/>
+        </a:xfrm>
+      </p:grpSpPr>
+      <p:grpSp>
+        <p:nvGrpSpPr>
+          <p:cNvPr id="4" name="组合 3"/>
+          <p:cNvGrpSpPr/>
+          <p:nvPr/>
+        </p:nvGrpSpPr>
+        <p:grpSpPr>
+          <a:xfrm>
+            <a:off x="155341" y="384074"/>
+            <a:ext cx="1926590" cy="993140"/>
+            <a:chOff x="2669" y="4506"/>
+            <a:chExt cx="3034" cy="1564"/>
+          </a:xfrm>
+        </p:grpSpPr>
+        <p:sp>
+          <p:nvSpPr>
+            <p:cNvPr id="6" name="矩形: 圆角 5"/>
+            <p:cNvSpPr/>
+            <p:nvPr/>
+          </p:nvSpPr>
+          <p:spPr>
+            <a:xfrm>
+              <a:off x="3107" y="4506"/>
+              <a:ext cx="2158" cy="963"/>
+            </a:xfrm>
+            <a:prstGeom prst="roundRect">
+              <a:avLst>
+                <a:gd name="adj" fmla="val 8280"/>
+              </a:avLst>
+            </a:prstGeom>
+            <a:solidFill>
+              <a:schemeClr val="accent1">
+                <a:lumMod val="60000"/>
+                <a:lumOff val="40000"/>
+              </a:schemeClr>
+            </a:solidFill>
+            <a:ln>
+              <a:noFill/>
+            </a:ln>
+          </p:spPr>
+          <p:style>
+            <a:lnRef idx="2">
+              <a:schemeClr val="accent1">
+                <a:shade val="50000"/>
+              </a:schemeClr>
+            </a:lnRef>
+            <a:fillRef idx="1">
+              <a:schemeClr val="accent1"/>
+            </a:fillRef>
+            <a:effectRef idx="0">
+              <a:schemeClr val="accent1"/>
+            </a:effectRef>
+            <a:fontRef idx="minor">
+              <a:schemeClr val="lt1"/>
+            </a:fontRef>
+          </p:style>
+          <p:txBody>
+            <a:bodyPr vertOverflow="overflow" horzOverflow="overflow" vert="horz" wrap="square" numCol="1" spcCol="0" rtlCol="0" fromWordArt="0" anchor="ctr" anchorCtr="0" forceAA="0" compatLnSpc="1">
+              <a:noAutofit/>
+            </a:bodyPr>
+            <a:lstStyle/>
+            <a:p>
+              <a:pPr lvl="0" algn="ctr">
+                <a:buClrTx/>
+                <a:buSzTx/>
+                <a:buFontTx/>
+              </a:pPr>
+              <a:endParaRPr lang="zh-CN" altLang="en-US">
+                <a:latin typeface="阿里巴巴普惠体 R" panose="00020600040101010101" pitchFamily="18" charset="-122"/>
+                <a:ea typeface="阿里巴巴普惠体 R" panose="00020600040101010101" pitchFamily="18" charset="-122"/>
+                <a:sym typeface="+mn-ea"/>
+              </a:endParaRPr>
+            </a:p>
+          </p:txBody>
+        </p:sp>
+        <p:sp>
+          <p:nvSpPr>
+            <p:cNvPr id="28" name="文本框 27"/>
+            <p:cNvSpPr txBox="1"/>
+            <p:nvPr/>
+          </p:nvSpPr>
+          <p:spPr>
+            <a:xfrm>
+              <a:off x="2669" y="4672"/>
+              <a:ext cx="3034" cy="630"/>
+            </a:xfrm>
+            <a:prstGeom prst="rect">
+              <a:avLst/>
+            </a:prstGeom>
+            <a:noFill/>
+          </p:spPr>
+          <p:txBody>
+            <a:bodyPr wrap="square" rtlCol="0">
+              <a:spAutoFit/>
+            </a:bodyPr>
+            <a:lstStyle/>
+            <a:p>
+              <a:pPr algn="ctr"/>
+              <a:r>
+                <a:rPr lang="en-US" altLang="zh-CN" sz="2000" dirty="0">
+                  <a:solidFill>
+                    <a:schemeClr val="bg1"/>
+                  </a:solidFill>
+                  <a:latin typeface="Montserrat Medium" panose="00000600000000000000" charset="0"/>
+                  <a:ea typeface="阿里巴巴普惠体 R" panose="00020600040101010101" pitchFamily="18" charset="-122"/>
+                  <a:cs typeface="Montserrat Medium" panose="00000600000000000000" charset="0"/>
+                </a:rPr>
+                <a:t>Schedule</a:t>
+              </a:r>
+              <a:endParaRPr lang="en-US" altLang="zh-CN" sz="2400" dirty="0">
+                <a:solidFill>
+                  <a:schemeClr val="bg1"/>
+                </a:solidFill>
+                <a:latin typeface="Montserrat Medium" panose="00000600000000000000" charset="0"/>
+                <a:ea typeface="阿里巴巴普惠体 R" panose="00020600040101010101" pitchFamily="18" charset="-122"/>
+                <a:cs typeface="Montserrat Medium" panose="00000600000000000000" charset="0"/>
+              </a:endParaRPr>
+            </a:p>
+          </p:txBody>
+        </p:sp>
+        <p:pic>
+          <p:nvPicPr>
+            <p:cNvPr id="32" name="图片 31"/>
+            <p:cNvPicPr>
+              <a:picLocks noChangeAspect="1"/>
+            </p:cNvPicPr>
+            <p:nvPr/>
+          </p:nvPicPr>
+          <p:blipFill rotWithShape="1">
+            <a:blip r:embed="rId2" cstate="print">
+              <a:duotone>
+                <a:schemeClr val="bg2">
+                  <a:shade val="45000"/>
+                  <a:satMod val="135000"/>
+                </a:schemeClr>
+                <a:prstClr val="white"/>
+              </a:duotone>
+              <a:extLst>
+                <a:ext uri="{28A0092B-C50C-407E-A947-70E740481C1C}">
+                  <a14:useLocalDpi xmlns:a14="http://schemas.microsoft.com/office/drawing/2010/main" val="0"/>
+                </a:ext>
+              </a:extLst>
+            </a:blip>
+            <a:srcRect/>
+            <a:stretch>
+              <a:fillRect/>
+            </a:stretch>
+          </p:blipFill>
+          <p:spPr>
+            <a:xfrm>
+              <a:off x="2925" y="5213"/>
+              <a:ext cx="1300" cy="857"/>
+            </a:xfrm>
+            <a:prstGeom prst="rect">
+              <a:avLst/>
+            </a:prstGeom>
+          </p:spPr>
+        </p:pic>
+      </p:grpSp>
+      <p:grpSp>
+        <p:nvGrpSpPr>
+          <p:cNvPr id="20" name="组合 19"/>
+          <p:cNvGrpSpPr/>
+          <p:nvPr/>
+        </p:nvGrpSpPr>
+        <p:grpSpPr>
+          <a:xfrm>
+            <a:off x="7105068" y="2219088"/>
+            <a:ext cx="320285" cy="466879"/>
+            <a:chOff x="3483951" y="3689703"/>
+            <a:chExt cx="335391" cy="488901"/>
+          </a:xfrm>
+          <a:solidFill>
+            <a:schemeClr val="bg1"/>
+          </a:solidFill>
+        </p:grpSpPr>
+        <p:sp>
+          <p:nvSpPr>
+            <p:cNvPr id="21" name="AutoShape 113"/>
+            <p:cNvSpPr/>
+            <p:nvPr/>
+          </p:nvSpPr>
+          <p:spPr bwMode="auto">
+            <a:xfrm>
+              <a:off x="3483951" y="3689703"/>
+              <a:ext cx="335391" cy="488901"/>
+            </a:xfrm>
+            <a:custGeom>
+              <a:avLst/>
+              <a:gdLst>
+                <a:gd name="T0" fmla="*/ 10800 w 21600"/>
+                <a:gd name="T1" fmla="*/ 10800 h 21600"/>
+                <a:gd name="T2" fmla="*/ 10800 w 21600"/>
+                <a:gd name="T3" fmla="*/ 10800 h 21600"/>
+                <a:gd name="T4" fmla="*/ 10800 w 21600"/>
+                <a:gd name="T5" fmla="*/ 10800 h 21600"/>
+                <a:gd name="T6" fmla="*/ 10800 w 21600"/>
+                <a:gd name="T7" fmla="*/ 10800 h 21600"/>
+              </a:gdLst>
+              <a:ahLst/>
+              <a:cxnLst>
+                <a:cxn ang="0">
+                  <a:pos x="T0" y="T1"/>
+                </a:cxn>
+                <a:cxn ang="0">
+                  <a:pos x="T2" y="T3"/>
+                </a:cxn>
+                <a:cxn ang="0">
+                  <a:pos x="T4" y="T5"/>
+                </a:cxn>
+                <a:cxn ang="0">
+                  <a:pos x="T6" y="T7"/>
+                </a:cxn>
+              </a:cxnLst>
+              <a:rect l="0" t="0" r="r" b="b"/>
+              <a:pathLst>
+                <a:path w="21600" h="21600">
+                  <a:moveTo>
+                    <a:pt x="15386" y="14175"/>
+                  </a:moveTo>
+                  <a:lnTo>
+                    <a:pt x="6223" y="14175"/>
+                  </a:lnTo>
+                  <a:cubicBezTo>
+                    <a:pt x="5734" y="13446"/>
+                    <a:pt x="5147" y="12716"/>
+                    <a:pt x="4568" y="12003"/>
+                  </a:cubicBezTo>
+                  <a:cubicBezTo>
+                    <a:pt x="3287" y="10427"/>
+                    <a:pt x="1963" y="8797"/>
+                    <a:pt x="1963" y="7425"/>
+                  </a:cubicBezTo>
+                  <a:cubicBezTo>
+                    <a:pt x="1963" y="4075"/>
+                    <a:pt x="5927" y="1350"/>
+                    <a:pt x="10800" y="1350"/>
+                  </a:cubicBezTo>
+                  <a:cubicBezTo>
+                    <a:pt x="15672" y="1350"/>
+                    <a:pt x="19636" y="4075"/>
+                    <a:pt x="19636" y="7425"/>
+                  </a:cubicBezTo>
+                  <a:cubicBezTo>
+                    <a:pt x="19636" y="8787"/>
+                    <a:pt x="18312" y="10425"/>
+                    <a:pt x="17029" y="12011"/>
+                  </a:cubicBezTo>
+                  <a:cubicBezTo>
+                    <a:pt x="16455" y="12723"/>
+                    <a:pt x="15873" y="13449"/>
+                    <a:pt x="15386" y="14175"/>
+                  </a:cubicBezTo>
+                  <a:moveTo>
+                    <a:pt x="10800" y="20249"/>
+                  </a:moveTo>
+                  <a:cubicBezTo>
+                    <a:pt x="9805" y="20249"/>
+                    <a:pt x="9347" y="20171"/>
+                    <a:pt x="8839" y="19406"/>
+                  </a:cubicBezTo>
+                  <a:lnTo>
+                    <a:pt x="13000" y="19048"/>
+                  </a:lnTo>
+                  <a:cubicBezTo>
+                    <a:pt x="12398" y="20164"/>
+                    <a:pt x="11959" y="20249"/>
+                    <a:pt x="10800" y="20249"/>
+                  </a:cubicBezTo>
+                  <a:moveTo>
+                    <a:pt x="7595" y="16813"/>
+                  </a:moveTo>
+                  <a:cubicBezTo>
+                    <a:pt x="7417" y="16407"/>
+                    <a:pt x="7215" y="15978"/>
+                    <a:pt x="6991" y="15525"/>
+                  </a:cubicBezTo>
+                  <a:lnTo>
+                    <a:pt x="14616" y="15525"/>
+                  </a:lnTo>
+                  <a:cubicBezTo>
+                    <a:pt x="14496" y="15767"/>
+                    <a:pt x="14375" y="16010"/>
+                    <a:pt x="14270" y="16239"/>
+                  </a:cubicBezTo>
+                  <a:cubicBezTo>
+                    <a:pt x="14270" y="16239"/>
+                    <a:pt x="7595" y="16813"/>
+                    <a:pt x="7595" y="16813"/>
+                  </a:cubicBezTo>
+                  <a:close/>
+                  <a:moveTo>
+                    <a:pt x="13345" y="18343"/>
+                  </a:moveTo>
+                  <a:lnTo>
+                    <a:pt x="8476" y="18762"/>
+                  </a:lnTo>
+                  <a:cubicBezTo>
+                    <a:pt x="8303" y="18416"/>
+                    <a:pt x="8116" y="18011"/>
+                    <a:pt x="7890" y="17483"/>
+                  </a:cubicBezTo>
+                  <a:cubicBezTo>
+                    <a:pt x="7887" y="17477"/>
+                    <a:pt x="7883" y="17469"/>
+                    <a:pt x="7881" y="17462"/>
+                  </a:cubicBezTo>
+                  <a:lnTo>
+                    <a:pt x="13957" y="16941"/>
+                  </a:lnTo>
+                  <a:cubicBezTo>
+                    <a:pt x="13871" y="17140"/>
+                    <a:pt x="13778" y="17350"/>
+                    <a:pt x="13698" y="17537"/>
+                  </a:cubicBezTo>
+                  <a:cubicBezTo>
+                    <a:pt x="13569" y="17841"/>
+                    <a:pt x="13453" y="18104"/>
+                    <a:pt x="13345" y="18343"/>
+                  </a:cubicBezTo>
+                  <a:moveTo>
+                    <a:pt x="10800" y="0"/>
+                  </a:moveTo>
+                  <a:cubicBezTo>
+                    <a:pt x="4835" y="0"/>
+                    <a:pt x="0" y="3324"/>
+                    <a:pt x="0" y="7425"/>
+                  </a:cubicBezTo>
+                  <a:cubicBezTo>
+                    <a:pt x="0" y="10146"/>
+                    <a:pt x="3621" y="13029"/>
+                    <a:pt x="4939" y="15562"/>
+                  </a:cubicBezTo>
+                  <a:cubicBezTo>
+                    <a:pt x="6906" y="19339"/>
+                    <a:pt x="6688" y="21599"/>
+                    <a:pt x="10800" y="21599"/>
+                  </a:cubicBezTo>
+                  <a:cubicBezTo>
+                    <a:pt x="14972" y="21599"/>
+                    <a:pt x="14692" y="19349"/>
+                    <a:pt x="16660" y="15577"/>
+                  </a:cubicBezTo>
+                  <a:cubicBezTo>
+                    <a:pt x="17983" y="13039"/>
+                    <a:pt x="21600" y="10124"/>
+                    <a:pt x="21600" y="7425"/>
+                  </a:cubicBezTo>
+                  <a:cubicBezTo>
+                    <a:pt x="21600" y="3324"/>
+                    <a:pt x="16764" y="0"/>
+                    <a:pt x="10800" y="0"/>
+                  </a:cubicBezTo>
+                </a:path>
+              </a:pathLst>
+            </a:custGeom>
+            <a:grpFill/>
+            <a:ln>
+              <a:noFill/>
+            </a:ln>
+          </p:spPr>
+          <p:style>
+            <a:lnRef idx="2">
+              <a:schemeClr val="accent1">
+                <a:shade val="50000"/>
+              </a:schemeClr>
+            </a:lnRef>
+            <a:fillRef idx="1">
+              <a:schemeClr val="accent1"/>
+            </a:fillRef>
+            <a:effectRef idx="0">
+              <a:schemeClr val="accent1"/>
+            </a:effectRef>
+            <a:fontRef idx="minor">
+              <a:schemeClr val="lt1"/>
+            </a:fontRef>
+          </p:style>
+          <p:txBody>
+            <a:bodyPr rot="0" spcFirstLastPara="0" vertOverflow="overflow" horzOverflow="overflow" vert="horz" wrap="square" lIns="91440" tIns="45720" rIns="91440" bIns="45720" numCol="1" spcCol="0" rtlCol="0" fromWordArt="0" anchor="ctr" anchorCtr="0" forceAA="0" compatLnSpc="1">
+              <a:noAutofit/>
+            </a:bodyPr>
+            <a:lstStyle/>
+            <a:p>
+              <a:pPr algn="ctr"/>
+              <a:endParaRPr lang="en-US">
+                <a:solidFill>
+                  <a:schemeClr val="lt1"/>
+                </a:solidFill>
+                <a:latin typeface="阿里巴巴普惠体 R" panose="00020600040101010101" pitchFamily="18" charset="-122"/>
+              </a:endParaRPr>
+            </a:p>
+          </p:txBody>
+        </p:sp>
+        <p:sp>
+          <p:nvSpPr>
+            <p:cNvPr id="22" name="AutoShape 114"/>
+            <p:cNvSpPr/>
+            <p:nvPr/>
+          </p:nvSpPr>
+          <p:spPr bwMode="auto">
+            <a:xfrm>
+              <a:off x="3559873" y="3766460"/>
+              <a:ext cx="99281" cy="99281"/>
+            </a:xfrm>
+            <a:custGeom>
+              <a:avLst/>
+              <a:gdLst>
+                <a:gd name="T0" fmla="*/ 10800 w 21600"/>
+                <a:gd name="T1" fmla="*/ 10800 h 21600"/>
+                <a:gd name="T2" fmla="*/ 10800 w 21600"/>
+                <a:gd name="T3" fmla="*/ 10800 h 21600"/>
+                <a:gd name="T4" fmla="*/ 10800 w 21600"/>
+                <a:gd name="T5" fmla="*/ 10800 h 21600"/>
+                <a:gd name="T6" fmla="*/ 10800 w 21600"/>
+                <a:gd name="T7" fmla="*/ 10800 h 21600"/>
+              </a:gdLst>
+              <a:ahLst/>
+              <a:cxnLst>
+                <a:cxn ang="0">
+                  <a:pos x="T0" y="T1"/>
+                </a:cxn>
+                <a:cxn ang="0">
+                  <a:pos x="T2" y="T3"/>
+                </a:cxn>
+                <a:cxn ang="0">
+                  <a:pos x="T4" y="T5"/>
+                </a:cxn>
+                <a:cxn ang="0">
+                  <a:pos x="T6" y="T7"/>
+                </a:cxn>
+              </a:cxnLst>
+              <a:rect l="0" t="0" r="r" b="b"/>
+              <a:pathLst>
+                <a:path w="21600" h="21600">
+                  <a:moveTo>
+                    <a:pt x="19938" y="0"/>
+                  </a:moveTo>
+                  <a:cubicBezTo>
+                    <a:pt x="8943" y="0"/>
+                    <a:pt x="0" y="8942"/>
+                    <a:pt x="0" y="19938"/>
+                  </a:cubicBezTo>
+                  <a:cubicBezTo>
+                    <a:pt x="0" y="20855"/>
+                    <a:pt x="743" y="21600"/>
+                    <a:pt x="1661" y="21600"/>
+                  </a:cubicBezTo>
+                  <a:cubicBezTo>
+                    <a:pt x="2579" y="21600"/>
+                    <a:pt x="3323" y="20855"/>
+                    <a:pt x="3323" y="19938"/>
+                  </a:cubicBezTo>
+                  <a:cubicBezTo>
+                    <a:pt x="3323" y="10777"/>
+                    <a:pt x="10777" y="3323"/>
+                    <a:pt x="19938" y="3323"/>
+                  </a:cubicBezTo>
+                  <a:cubicBezTo>
+                    <a:pt x="20856" y="3323"/>
+                    <a:pt x="21600" y="2578"/>
+                    <a:pt x="21600" y="1661"/>
+                  </a:cubicBezTo>
+                  <a:cubicBezTo>
+                    <a:pt x="21600" y="744"/>
+                    <a:pt x="20856" y="0"/>
+                    <a:pt x="19938" y="0"/>
+                  </a:cubicBezTo>
+                </a:path>
+              </a:pathLst>
+            </a:custGeom>
+            <a:grpFill/>
+            <a:ln>
+              <a:noFill/>
+            </a:ln>
+          </p:spPr>
+          <p:style>
+            <a:lnRef idx="2">
+              <a:schemeClr val="accent1">
+                <a:shade val="50000"/>
+              </a:schemeClr>
+            </a:lnRef>
+            <a:fillRef idx="1">
+              <a:schemeClr val="accent1"/>
+            </a:fillRef>
+            <a:effectRef idx="0">
+              <a:schemeClr val="accent1"/>
+            </a:effectRef>
+            <a:fontRef idx="minor">
+              <a:schemeClr val="lt1"/>
+            </a:fontRef>
+          </p:style>
+          <p:txBody>
+            <a:bodyPr rot="0" spcFirstLastPara="0" vertOverflow="overflow" horzOverflow="overflow" vert="horz" wrap="square" lIns="91440" tIns="45720" rIns="91440" bIns="45720" numCol="1" spcCol="0" rtlCol="0" fromWordArt="0" anchor="ctr" anchorCtr="0" forceAA="0" compatLnSpc="1">
+              <a:noAutofit/>
+            </a:bodyPr>
+            <a:lstStyle/>
+            <a:p>
+              <a:pPr algn="ctr"/>
+              <a:endParaRPr lang="en-US">
+                <a:solidFill>
+                  <a:schemeClr val="lt1"/>
+                </a:solidFill>
+                <a:latin typeface="阿里巴巴普惠体 R" panose="00020600040101010101" pitchFamily="18" charset="-122"/>
+              </a:endParaRPr>
+            </a:p>
+          </p:txBody>
+        </p:sp>
+      </p:grpSp>
+      <p:sp>
+        <p:nvSpPr>
+          <p:cNvPr id="8" name="矩形 7">
+            <a:extLst>
+              <a:ext uri="{FF2B5EF4-FFF2-40B4-BE49-F238E27FC236}">
+                <a16:creationId xmlns:a16="http://schemas.microsoft.com/office/drawing/2014/main" id="{9BBB44BA-3155-E7EF-E98B-D8FAC199BD4C}"/>
+              </a:ext>
+            </a:extLst>
+          </p:cNvPr>
+          <p:cNvSpPr/>
+          <p:nvPr/>
+        </p:nvSpPr>
+        <p:spPr>
+          <a:xfrm>
+            <a:off x="3072437" y="606667"/>
+            <a:ext cx="5630888" cy="935269"/>
+          </a:xfrm>
+          <a:prstGeom prst="rect">
+            <a:avLst/>
+          </a:prstGeom>
+          <a:solidFill>
+            <a:srgbClr val="8FAADC"/>
+          </a:solidFill>
+          <a:ln>
+            <a:noFill/>
+          </a:ln>
+          <a:effectLst/>
+        </p:spPr>
+        <p:style>
+          <a:lnRef idx="2">
+            <a:schemeClr val="accent1">
+              <a:shade val="50000"/>
+            </a:schemeClr>
+          </a:lnRef>
+          <a:fillRef idx="1">
+            <a:schemeClr val="accent1"/>
+          </a:fillRef>
+          <a:effectRef idx="0">
+            <a:schemeClr val="accent1"/>
+          </a:effectRef>
+          <a:fontRef idx="minor">
+            <a:schemeClr val="lt1"/>
+          </a:fontRef>
+        </p:style>
+        <p:txBody>
+          <a:bodyPr rtlCol="0" anchor="ctr"/>
+          <a:lstStyle/>
+          <a:p>
+            <a:pPr algn="ctr" defTabSz="914400"/>
+            <a:endParaRPr lang="zh-CN" altLang="en-US" dirty="0">
+              <a:latin typeface="阿里巴巴普惠体 R" panose="00020600040101010101" pitchFamily="18" charset="-122"/>
+              <a:ea typeface="阿里巴巴普惠体 R" panose="00020600040101010101" pitchFamily="18" charset="-122"/>
+            </a:endParaRPr>
+          </a:p>
+        </p:txBody>
+      </p:sp>
+      <p:sp>
+        <p:nvSpPr>
+          <p:cNvPr id="10" name="文本框 9">
+            <a:extLst>
+              <a:ext uri="{FF2B5EF4-FFF2-40B4-BE49-F238E27FC236}">
+                <a16:creationId xmlns:a16="http://schemas.microsoft.com/office/drawing/2014/main" id="{449B5BE9-1E19-F2F7-5C1C-5CCC3F4E3101}"/>
+              </a:ext>
+            </a:extLst>
+          </p:cNvPr>
+          <p:cNvSpPr txBox="1"/>
+          <p:nvPr/>
+        </p:nvSpPr>
+        <p:spPr>
+          <a:xfrm>
+            <a:off x="3360092" y="621506"/>
+            <a:ext cx="5063345" cy="743986"/>
+          </a:xfrm>
+          <a:prstGeom prst="rect">
+            <a:avLst/>
+          </a:prstGeom>
+          <a:noFill/>
+        </p:spPr>
+        <p:txBody>
+          <a:bodyPr wrap="square" rtlCol="0">
+            <a:spAutoFit/>
+          </a:bodyPr>
+          <a:lstStyle/>
+          <a:p>
+            <a:pPr algn="ctr">
+              <a:lnSpc>
+                <a:spcPct val="150000"/>
+              </a:lnSpc>
+            </a:pPr>
+            <a:r>
+              <a:rPr lang="en" altLang="zh-CN" sz="3200" dirty="0">
+                <a:solidFill>
+                  <a:schemeClr val="bg1"/>
+                </a:solidFill>
+                <a:latin typeface="阿里巴巴普惠体 R" panose="00020600040101010101" pitchFamily="18" charset="-122"/>
+                <a:ea typeface="阿里巴巴普惠体 R" panose="00020600040101010101" pitchFamily="18" charset="-122"/>
+              </a:rPr>
+              <a:t>Team Meeting</a:t>
+            </a:r>
+            <a:endParaRPr lang="zh-CN" altLang="en-US" sz="3200" dirty="0">
+              <a:solidFill>
+                <a:schemeClr val="bg1"/>
+              </a:solidFill>
+              <a:latin typeface="阿里巴巴普惠体 R" panose="00020600040101010101" pitchFamily="18" charset="-122"/>
+              <a:ea typeface="阿里巴巴普惠体 R" panose="00020600040101010101" pitchFamily="18" charset="-122"/>
+            </a:endParaRPr>
+          </a:p>
+        </p:txBody>
+      </p:sp>
+      <p:sp>
+        <p:nvSpPr>
+          <p:cNvPr id="3" name="文本框 2">
+            <a:extLst>
+              <a:ext uri="{FF2B5EF4-FFF2-40B4-BE49-F238E27FC236}">
+                <a16:creationId xmlns:a16="http://schemas.microsoft.com/office/drawing/2014/main" id="{FAF4E99B-91D8-7FDD-5464-2D865ABC4AA9}"/>
+              </a:ext>
+            </a:extLst>
+          </p:cNvPr>
+          <p:cNvSpPr txBox="1"/>
+          <p:nvPr/>
+        </p:nvSpPr>
+        <p:spPr>
+          <a:xfrm>
+            <a:off x="879513" y="2084334"/>
+            <a:ext cx="10432973" cy="3738716"/>
+          </a:xfrm>
+          <a:prstGeom prst="rect">
+            <a:avLst/>
+          </a:prstGeom>
+          <a:noFill/>
+        </p:spPr>
+        <p:txBody>
+          <a:bodyPr wrap="square" rtlCol="0">
+            <a:spAutoFit/>
+          </a:bodyPr>
+          <a:lstStyle/>
+          <a:p>
+            <a:pPr indent="457200">
+              <a:lnSpc>
+                <a:spcPct val="150000"/>
+              </a:lnSpc>
+            </a:pPr>
+            <a:r>
+              <a:rPr lang="en" altLang="zh-CN" sz="2000" kern="100" dirty="0">
+                <a:latin typeface="DengXian" panose="02010600030101010101" pitchFamily="2" charset="-122"/>
+                <a:ea typeface="DengXian" panose="02010600030101010101" pitchFamily="2" charset="-122"/>
+                <a:cs typeface="Times New Roman" panose="02020603050405020304" pitchFamily="18" charset="0"/>
+              </a:rPr>
+              <a:t>A combination of online and offline meetings</a:t>
+            </a:r>
+            <a:r>
+              <a:rPr lang="en-US" altLang="zh-CN" sz="2000" kern="100" dirty="0">
+                <a:latin typeface="DengXian" panose="02010600030101010101" pitchFamily="2" charset="-122"/>
+                <a:ea typeface="DengXian" panose="02010600030101010101" pitchFamily="2" charset="-122"/>
+                <a:cs typeface="Times New Roman" panose="02020603050405020304" pitchFamily="18" charset="0"/>
+              </a:rPr>
+              <a:t>.</a:t>
+            </a:r>
+          </a:p>
+          <a:p>
+            <a:pPr indent="457200">
+              <a:lnSpc>
+                <a:spcPct val="150000"/>
+              </a:lnSpc>
+            </a:pPr>
+            <a:endParaRPr lang="en-US" altLang="zh-CN" sz="2000" kern="100" dirty="0">
+              <a:latin typeface="DengXian" panose="02010600030101010101" pitchFamily="2" charset="-122"/>
+              <a:ea typeface="DengXian" panose="02010600030101010101" pitchFamily="2" charset="-122"/>
+              <a:cs typeface="Times New Roman" panose="02020603050405020304" pitchFamily="18" charset="0"/>
+            </a:endParaRPr>
+          </a:p>
+          <a:p>
+            <a:pPr indent="457200">
+              <a:lnSpc>
+                <a:spcPct val="150000"/>
+              </a:lnSpc>
+            </a:pPr>
+            <a:r>
+              <a:rPr lang="en-US" altLang="zh-CN" sz="2000" b="1" kern="100" dirty="0">
+                <a:latin typeface="DengXian" panose="02010600030101010101" pitchFamily="2" charset="-122"/>
+                <a:ea typeface="DengXian" panose="02010600030101010101" pitchFamily="2" charset="-122"/>
+                <a:cs typeface="Times New Roman" panose="02020603050405020304" pitchFamily="18" charset="0"/>
+              </a:rPr>
+              <a:t>Offline: </a:t>
+            </a:r>
+          </a:p>
+          <a:p>
+            <a:pPr indent="457200">
+              <a:lnSpc>
+                <a:spcPct val="150000"/>
+              </a:lnSpc>
+            </a:pPr>
+            <a:r>
+              <a:rPr lang="en" altLang="zh-CN" sz="2000" kern="100" dirty="0">
+                <a:latin typeface="DengXian" panose="02010600030101010101" pitchFamily="2" charset="-122"/>
+                <a:ea typeface="DengXian" panose="02010600030101010101" pitchFamily="2" charset="-122"/>
+                <a:cs typeface="Times New Roman" panose="02020603050405020304" pitchFamily="18" charset="0"/>
+              </a:rPr>
+              <a:t>After the</a:t>
+            </a:r>
+            <a:r>
+              <a:rPr lang="zh-CN" altLang="en-US" sz="2000" kern="100" dirty="0">
+                <a:latin typeface="DengXian" panose="02010600030101010101" pitchFamily="2" charset="-122"/>
+                <a:ea typeface="DengXian" panose="02010600030101010101" pitchFamily="2" charset="-122"/>
+                <a:cs typeface="Times New Roman" panose="02020603050405020304" pitchFamily="18" charset="0"/>
+              </a:rPr>
+              <a:t> </a:t>
+            </a:r>
+            <a:r>
+              <a:rPr lang="en-US" altLang="zh-CN" sz="2000" kern="100" dirty="0">
+                <a:latin typeface="DengXian" panose="02010600030101010101" pitchFamily="2" charset="-122"/>
+                <a:ea typeface="DengXian" panose="02010600030101010101" pitchFamily="2" charset="-122"/>
+                <a:cs typeface="Times New Roman" panose="02020603050405020304" pitchFamily="18" charset="0"/>
+              </a:rPr>
+              <a:t>weekly</a:t>
+            </a:r>
+            <a:r>
+              <a:rPr lang="en" altLang="zh-CN" sz="2000" kern="100" dirty="0">
+                <a:latin typeface="DengXian" panose="02010600030101010101" pitchFamily="2" charset="-122"/>
+                <a:ea typeface="DengXian" panose="02010600030101010101" pitchFamily="2" charset="-122"/>
+                <a:cs typeface="Times New Roman" panose="02020603050405020304" pitchFamily="18" charset="0"/>
+              </a:rPr>
+              <a:t> group meeting organized by the tutor, we will exchange our progress and problems</a:t>
+            </a:r>
+            <a:r>
+              <a:rPr lang="en-US" altLang="zh-CN" sz="2000" kern="100" dirty="0">
+                <a:latin typeface="DengXian" panose="02010600030101010101" pitchFamily="2" charset="-122"/>
+                <a:ea typeface="DengXian" panose="02010600030101010101" pitchFamily="2" charset="-122"/>
+                <a:cs typeface="Times New Roman" panose="02020603050405020304" pitchFamily="18" charset="0"/>
+              </a:rPr>
+              <a:t>.</a:t>
+            </a:r>
+          </a:p>
+          <a:p>
+            <a:pPr indent="457200">
+              <a:lnSpc>
+                <a:spcPct val="150000"/>
+              </a:lnSpc>
+            </a:pPr>
+            <a:endParaRPr lang="en-US" altLang="zh-CN" sz="2000" kern="100" dirty="0">
+              <a:latin typeface="DengXian" panose="02010600030101010101" pitchFamily="2" charset="-122"/>
+              <a:ea typeface="DengXian" panose="02010600030101010101" pitchFamily="2" charset="-122"/>
+              <a:cs typeface="Times New Roman" panose="02020603050405020304" pitchFamily="18" charset="0"/>
+            </a:endParaRPr>
+          </a:p>
+          <a:p>
+            <a:pPr indent="457200">
+              <a:lnSpc>
+                <a:spcPct val="150000"/>
+              </a:lnSpc>
+            </a:pPr>
+            <a:r>
+              <a:rPr lang="en-US" altLang="zh-CN" sz="2000" b="1" kern="100" dirty="0">
+                <a:latin typeface="DengXian" panose="02010600030101010101" pitchFamily="2" charset="-122"/>
+                <a:ea typeface="DengXian" panose="02010600030101010101" pitchFamily="2" charset="-122"/>
+                <a:cs typeface="Times New Roman" panose="02020603050405020304" pitchFamily="18" charset="0"/>
+              </a:rPr>
+              <a:t>Online:</a:t>
+            </a:r>
+          </a:p>
+          <a:p>
+            <a:pPr indent="457200">
+              <a:lnSpc>
+                <a:spcPct val="150000"/>
+              </a:lnSpc>
+            </a:pPr>
+            <a:r>
+              <a:rPr lang="en" altLang="zh-CN" sz="2000" kern="100" dirty="0">
+                <a:latin typeface="DengXian" panose="02010600030101010101" pitchFamily="2" charset="-122"/>
+                <a:ea typeface="DengXian" panose="02010600030101010101" pitchFamily="2" charset="-122"/>
+                <a:cs typeface="Times New Roman" panose="02020603050405020304" pitchFamily="18" charset="0"/>
+              </a:rPr>
+              <a:t>We will communicate with each other through WeChat when we have any questions</a:t>
+            </a:r>
+            <a:r>
+              <a:rPr lang="en-US" altLang="zh-CN" sz="2000" kern="100" dirty="0">
+                <a:latin typeface="DengXian" panose="02010600030101010101" pitchFamily="2" charset="-122"/>
+                <a:ea typeface="DengXian" panose="02010600030101010101" pitchFamily="2" charset="-122"/>
+                <a:cs typeface="Times New Roman" panose="02020603050405020304" pitchFamily="18" charset="0"/>
+              </a:rPr>
+              <a:t>.</a:t>
+            </a:r>
+            <a:endParaRPr lang="zh-CN" altLang="en-US" sz="1600" kern="100" dirty="0">
+              <a:latin typeface="DengXian" panose="02010600030101010101" pitchFamily="2" charset="-122"/>
+              <a:ea typeface="DengXian" panose="02010600030101010101" pitchFamily="2" charset="-122"/>
+              <a:cs typeface="Times New Roman" panose="02020603050405020304" pitchFamily="18" charset="0"/>
+            </a:endParaRPr>
+          </a:p>
+        </p:txBody>
+      </p:sp>
+    </p:spTree>
+    <p:extLst>
+      <p:ext uri="{BB962C8B-B14F-4D97-AF65-F5344CB8AC3E}">
+        <p14:creationId xmlns:p14="http://schemas.microsoft.com/office/powerpoint/2010/main" val="2859070245"/>
+      </p:ext>
+    </p:extLst>
+  </p:cSld>
+  <p:clrMapOvr>
+    <a:masterClrMapping/>
+  </p:clrMapOvr>
+</p:sld>
+</file>
+
+<file path=ppt/slides/slide12.xml><?xml version="1.0" encoding="utf-8"?>
+<p:sld xmlns:a="http://schemas.openxmlformats.org/drawingml/2006/main" xmlns:r="http://schemas.openxmlformats.org/officeDocument/2006/relationships" xmlns:p="http://schemas.openxmlformats.org/presentationml/2006/main">
+  <p:cSld>
+    <p:spTree>
+      <p:nvGrpSpPr>
+        <p:cNvPr id="1" name=""/>
+        <p:cNvGrpSpPr/>
+        <p:nvPr/>
+      </p:nvGrpSpPr>
+      <p:grpSpPr>
+        <a:xfrm>
+          <a:off x="0" y="0"/>
+          <a:ext cx="0" cy="0"/>
+          <a:chOff x="0" y="0"/>
+          <a:chExt cx="0" cy="0"/>
+        </a:xfrm>
+      </p:grpSpPr>
+      <p:grpSp>
+        <p:nvGrpSpPr>
           <p:cNvPr id="20" name="组合 19"/>
           <p:cNvGrpSpPr/>
           <p:nvPr/>
@@ -6406,7 +8136,7 @@
 </p:sld>
 </file>
 
-<file path=ppt/slides/slide11.xml><?xml version="1.0" encoding="utf-8"?>
+<file path=ppt/slides/slide13.xml><?xml version="1.0" encoding="utf-8"?>
 <p:sld xmlns:a="http://schemas.openxmlformats.org/drawingml/2006/main" xmlns:r="http://schemas.openxmlformats.org/officeDocument/2006/relationships" xmlns:p="http://schemas.openxmlformats.org/presentationml/2006/main">
   <p:cSld>
     <p:spTree>
@@ -6830,23 +8560,7 @@
                 <a:ea typeface="DengXian" panose="02010600030101010101" pitchFamily="2" charset="-122"/>
                 <a:cs typeface="Times New Roman" panose="02020603050405020304" pitchFamily="18" charset="0"/>
               </a:rPr>
-              <a:t>      We intend to use the framework named Vue to build the </a:t>
-            </a:r>
-            <a:r>
-              <a:rPr lang="en-US" altLang="zh-CN" kern="100" dirty="0" err="1">
-                <a:latin typeface="DengXian" panose="02010600030101010101" pitchFamily="2" charset="-122"/>
-                <a:ea typeface="DengXian" panose="02010600030101010101" pitchFamily="2" charset="-122"/>
-                <a:cs typeface="Times New Roman" panose="02020603050405020304" pitchFamily="18" charset="0"/>
-              </a:rPr>
-              <a:t>interface,but</a:t>
-            </a:r>
-            <a:r>
-              <a:rPr lang="en-US" altLang="zh-CN" kern="100" dirty="0">
-                <a:latin typeface="DengXian" panose="02010600030101010101" pitchFamily="2" charset="-122"/>
-                <a:ea typeface="DengXian" panose="02010600030101010101" pitchFamily="2" charset="-122"/>
-                <a:cs typeface="Times New Roman" panose="02020603050405020304" pitchFamily="18" charset="0"/>
-              </a:rPr>
-              <a:t> I didn’t acquire the technology that how to use Vue to design the diagram and present data. </a:t>
+              <a:t>      We intend to use the framework named Vue to build the interface, but we didn’t acquire the technology that how to use Vue to design the diagram and present data. </a:t>
             </a:r>
           </a:p>
           <a:p>
@@ -6895,7 +8609,7 @@
                 <a:ea typeface="DengXian" panose="02010600030101010101" pitchFamily="2" charset="-122"/>
                 <a:cs typeface="Times New Roman" panose="02020603050405020304" pitchFamily="18" charset="0"/>
               </a:rPr>
-              <a:t>      During the process of completing the project, I  will learn the knowledge of Vue3 framework, and learn some beautiful and practical templates designed by others. </a:t>
+              <a:t>      During the process of completing the project, we will learn the knowledge of Vue3 framework, and learn some beautiful and practical templates designed by others. </a:t>
             </a:r>
           </a:p>
         </p:txBody>
@@ -7205,7 +8919,7 @@
 </p:sld>
 </file>
 
-<file path=ppt/slides/slide12.xml><?xml version="1.0" encoding="utf-8"?>
+<file path=ppt/slides/slide14.xml><?xml version="1.0" encoding="utf-8"?>
 <p:sld xmlns:a="http://schemas.openxmlformats.org/drawingml/2006/main" xmlns:r="http://schemas.openxmlformats.org/officeDocument/2006/relationships" xmlns:p="http://schemas.openxmlformats.org/presentationml/2006/main">
   <p:cSld>
     <p:spTree>
@@ -7296,7 +9010,7 @@
           </a:solidFill>
           <a:ln w="38100">
             <a:solidFill>
-              <a:srgbClr val="00B0F0"/>
+              <a:srgbClr val="92D050"/>
             </a:solidFill>
           </a:ln>
         </p:spPr>
@@ -7324,7 +9038,7 @@
             <a:r>
               <a:rPr lang="en-US" sz="3200" dirty="0">
                 <a:solidFill>
-                  <a:srgbClr val="00B0F0"/>
+                  <a:srgbClr val="92D050"/>
                 </a:solidFill>
               </a:rPr>
               <a:t>M2</a:t>
@@ -8308,7 +10022,7 @@
               <a:rPr lang="en-US" altLang="zh-CN" dirty="0">
                 <a:latin typeface="+mn-lt"/>
               </a:rPr>
-              <a:t>Complete five visualization modules</a:t>
+              <a:t>Complete 5 visualization modules</a:t>
             </a:r>
           </a:p>
           <a:p>
@@ -8673,7 +10387,7 @@
 </p:sld>
 </file>
 
-<file path=ppt/slides/slide13.xml><?xml version="1.0" encoding="utf-8"?>
+<file path=ppt/slides/slide15.xml><?xml version="1.0" encoding="utf-8"?>
 <p:sld xmlns:a="http://schemas.openxmlformats.org/drawingml/2006/main" xmlns:r="http://schemas.openxmlformats.org/officeDocument/2006/relationships" xmlns:p="http://schemas.openxmlformats.org/presentationml/2006/main">
   <p:cSld>
     <p:spTree>
@@ -12401,6 +14115,764 @@
           <a:chExt cx="0" cy="0"/>
         </a:xfrm>
       </p:grpSpPr>
+      <p:grpSp>
+        <p:nvGrpSpPr>
+          <p:cNvPr id="4" name="组合 3"/>
+          <p:cNvGrpSpPr/>
+          <p:nvPr/>
+        </p:nvGrpSpPr>
+        <p:grpSpPr>
+          <a:xfrm>
+            <a:off x="212725" y="417195"/>
+            <a:ext cx="1926590" cy="993140"/>
+            <a:chOff x="2820" y="4506"/>
+            <a:chExt cx="3034" cy="1564"/>
+          </a:xfrm>
+        </p:grpSpPr>
+        <p:sp>
+          <p:nvSpPr>
+            <p:cNvPr id="6" name="矩形: 圆角 5"/>
+            <p:cNvSpPr/>
+            <p:nvPr/>
+          </p:nvSpPr>
+          <p:spPr>
+            <a:xfrm>
+              <a:off x="3107" y="4506"/>
+              <a:ext cx="2158" cy="963"/>
+            </a:xfrm>
+            <a:prstGeom prst="roundRect">
+              <a:avLst>
+                <a:gd name="adj" fmla="val 8280"/>
+              </a:avLst>
+            </a:prstGeom>
+            <a:solidFill>
+              <a:schemeClr val="accent1">
+                <a:lumMod val="60000"/>
+                <a:lumOff val="40000"/>
+              </a:schemeClr>
+            </a:solidFill>
+            <a:ln>
+              <a:noFill/>
+            </a:ln>
+          </p:spPr>
+          <p:style>
+            <a:lnRef idx="2">
+              <a:schemeClr val="accent1">
+                <a:shade val="50000"/>
+              </a:schemeClr>
+            </a:lnRef>
+            <a:fillRef idx="1">
+              <a:schemeClr val="accent1"/>
+            </a:fillRef>
+            <a:effectRef idx="0">
+              <a:schemeClr val="accent1"/>
+            </a:effectRef>
+            <a:fontRef idx="minor">
+              <a:schemeClr val="lt1"/>
+            </a:fontRef>
+          </p:style>
+          <p:txBody>
+            <a:bodyPr vertOverflow="overflow" horzOverflow="overflow" vert="horz" wrap="square" numCol="1" spcCol="0" rtlCol="0" fromWordArt="0" anchor="ctr" anchorCtr="0" forceAA="0" compatLnSpc="1">
+              <a:noAutofit/>
+            </a:bodyPr>
+            <a:lstStyle/>
+            <a:p>
+              <a:pPr lvl="0" algn="ctr">
+                <a:buClrTx/>
+                <a:buSzTx/>
+                <a:buFontTx/>
+              </a:pPr>
+              <a:endParaRPr lang="zh-CN" altLang="en-US">
+                <a:latin typeface="阿里巴巴普惠体 R" panose="00020600040101010101" pitchFamily="18" charset="-122"/>
+                <a:ea typeface="阿里巴巴普惠体 R" panose="00020600040101010101" pitchFamily="18" charset="-122"/>
+                <a:sym typeface="+mn-ea"/>
+              </a:endParaRPr>
+            </a:p>
+          </p:txBody>
+        </p:sp>
+        <p:sp>
+          <p:nvSpPr>
+            <p:cNvPr id="28" name="文本框 27"/>
+            <p:cNvSpPr txBox="1"/>
+            <p:nvPr/>
+          </p:nvSpPr>
+          <p:spPr>
+            <a:xfrm>
+              <a:off x="2820" y="4721"/>
+              <a:ext cx="3034" cy="533"/>
+            </a:xfrm>
+            <a:prstGeom prst="rect">
+              <a:avLst/>
+            </a:prstGeom>
+            <a:noFill/>
+          </p:spPr>
+          <p:txBody>
+            <a:bodyPr wrap="square" rtlCol="0">
+              <a:spAutoFit/>
+            </a:bodyPr>
+            <a:lstStyle/>
+            <a:p>
+              <a:r>
+                <a:rPr lang="zh-CN" altLang="en-US" sz="1600" dirty="0">
+                  <a:solidFill>
+                    <a:schemeClr val="tx1">
+                      <a:lumMod val="50000"/>
+                      <a:lumOff val="50000"/>
+                    </a:schemeClr>
+                  </a:solidFill>
+                  <a:latin typeface="阿里巴巴普惠体 R" panose="00020600040101010101" pitchFamily="18" charset="-122"/>
+                  <a:ea typeface="阿里巴巴普惠体 R" panose="00020600040101010101" pitchFamily="18" charset="-122"/>
+                  <a:cs typeface="Arial" panose="020B0604020202020204" pitchFamily="34" charset="0"/>
+                  <a:sym typeface="+mn-ea"/>
+                </a:rPr>
+                <a:t>   </a:t>
+              </a:r>
+              <a:r>
+                <a:rPr lang="en" altLang="zh-CN" sz="1600" dirty="0">
+                  <a:solidFill>
+                    <a:schemeClr val="bg1"/>
+                  </a:solidFill>
+                  <a:latin typeface="阿里巴巴普惠体 R" panose="00020600040101010101" pitchFamily="18" charset="-122"/>
+                  <a:ea typeface="阿里巴巴普惠体 R" panose="00020600040101010101" pitchFamily="18" charset="-122"/>
+                  <a:cs typeface="Arial" panose="020B0604020202020204" pitchFamily="34" charset="0"/>
+                  <a:sym typeface="+mn-ea"/>
+                </a:rPr>
+                <a:t>Project</a:t>
+              </a:r>
+              <a:r>
+                <a:rPr lang="zh-CN" altLang="en-US" sz="1600" dirty="0">
+                  <a:solidFill>
+                    <a:schemeClr val="bg1"/>
+                  </a:solidFill>
+                  <a:latin typeface="阿里巴巴普惠体 R" panose="00020600040101010101" pitchFamily="18" charset="-122"/>
+                  <a:ea typeface="阿里巴巴普惠体 R" panose="00020600040101010101" pitchFamily="18" charset="-122"/>
+                  <a:cs typeface="Arial" panose="020B0604020202020204" pitchFamily="34" charset="0"/>
+                  <a:sym typeface="+mn-ea"/>
+                </a:rPr>
+                <a:t> </a:t>
+              </a:r>
+              <a:r>
+                <a:rPr lang="en" altLang="zh-CN" sz="1600" dirty="0">
+                  <a:solidFill>
+                    <a:schemeClr val="bg1"/>
+                  </a:solidFill>
+                  <a:latin typeface="阿里巴巴普惠体 R" panose="00020600040101010101" pitchFamily="18" charset="-122"/>
+                  <a:ea typeface="阿里巴巴普惠体 R" panose="00020600040101010101" pitchFamily="18" charset="-122"/>
+                  <a:cs typeface="Arial" panose="020B0604020202020204" pitchFamily="34" charset="0"/>
+                  <a:sym typeface="+mn-ea"/>
+                </a:rPr>
+                <a:t>Intro</a:t>
+              </a:r>
+              <a:endParaRPr lang="zh-CN" altLang="en-US" sz="1600" dirty="0">
+                <a:solidFill>
+                  <a:schemeClr val="bg1"/>
+                </a:solidFill>
+                <a:latin typeface="阿里巴巴普惠体 R" panose="00020600040101010101" pitchFamily="18" charset="-122"/>
+                <a:ea typeface="阿里巴巴普惠体 R" panose="00020600040101010101" pitchFamily="18" charset="-122"/>
+                <a:cs typeface="Arial" panose="020B0604020202020204" pitchFamily="34" charset="0"/>
+                <a:sym typeface="+mn-ea"/>
+              </a:endParaRPr>
+            </a:p>
+          </p:txBody>
+        </p:sp>
+        <p:pic>
+          <p:nvPicPr>
+            <p:cNvPr id="32" name="图片 31"/>
+            <p:cNvPicPr>
+              <a:picLocks noChangeAspect="1"/>
+            </p:cNvPicPr>
+            <p:nvPr/>
+          </p:nvPicPr>
+          <p:blipFill rotWithShape="1">
+            <a:blip r:embed="rId2" cstate="print">
+              <a:duotone>
+                <a:schemeClr val="bg2">
+                  <a:shade val="45000"/>
+                  <a:satMod val="135000"/>
+                </a:schemeClr>
+                <a:prstClr val="white"/>
+              </a:duotone>
+              <a:extLst>
+                <a:ext uri="{28A0092B-C50C-407E-A947-70E740481C1C}">
+                  <a14:useLocalDpi xmlns:a14="http://schemas.microsoft.com/office/drawing/2010/main" val="0"/>
+                </a:ext>
+              </a:extLst>
+            </a:blip>
+            <a:srcRect/>
+            <a:stretch>
+              <a:fillRect/>
+            </a:stretch>
+          </p:blipFill>
+          <p:spPr>
+            <a:xfrm>
+              <a:off x="2925" y="5213"/>
+              <a:ext cx="1300" cy="857"/>
+            </a:xfrm>
+            <a:prstGeom prst="rect">
+              <a:avLst/>
+            </a:prstGeom>
+          </p:spPr>
+        </p:pic>
+      </p:grpSp>
+      <p:grpSp>
+        <p:nvGrpSpPr>
+          <p:cNvPr id="20" name="组合 19"/>
+          <p:cNvGrpSpPr/>
+          <p:nvPr/>
+        </p:nvGrpSpPr>
+        <p:grpSpPr>
+          <a:xfrm>
+            <a:off x="7105068" y="2219088"/>
+            <a:ext cx="320285" cy="466879"/>
+            <a:chOff x="3483951" y="3689703"/>
+            <a:chExt cx="335391" cy="488901"/>
+          </a:xfrm>
+          <a:solidFill>
+            <a:schemeClr val="bg1"/>
+          </a:solidFill>
+        </p:grpSpPr>
+        <p:sp>
+          <p:nvSpPr>
+            <p:cNvPr id="21" name="AutoShape 113"/>
+            <p:cNvSpPr/>
+            <p:nvPr/>
+          </p:nvSpPr>
+          <p:spPr bwMode="auto">
+            <a:xfrm>
+              <a:off x="3483951" y="3689703"/>
+              <a:ext cx="335391" cy="488901"/>
+            </a:xfrm>
+            <a:custGeom>
+              <a:avLst/>
+              <a:gdLst>
+                <a:gd name="T0" fmla="*/ 10800 w 21600"/>
+                <a:gd name="T1" fmla="*/ 10800 h 21600"/>
+                <a:gd name="T2" fmla="*/ 10800 w 21600"/>
+                <a:gd name="T3" fmla="*/ 10800 h 21600"/>
+                <a:gd name="T4" fmla="*/ 10800 w 21600"/>
+                <a:gd name="T5" fmla="*/ 10800 h 21600"/>
+                <a:gd name="T6" fmla="*/ 10800 w 21600"/>
+                <a:gd name="T7" fmla="*/ 10800 h 21600"/>
+              </a:gdLst>
+              <a:ahLst/>
+              <a:cxnLst>
+                <a:cxn ang="0">
+                  <a:pos x="T0" y="T1"/>
+                </a:cxn>
+                <a:cxn ang="0">
+                  <a:pos x="T2" y="T3"/>
+                </a:cxn>
+                <a:cxn ang="0">
+                  <a:pos x="T4" y="T5"/>
+                </a:cxn>
+                <a:cxn ang="0">
+                  <a:pos x="T6" y="T7"/>
+                </a:cxn>
+              </a:cxnLst>
+              <a:rect l="0" t="0" r="r" b="b"/>
+              <a:pathLst>
+                <a:path w="21600" h="21600">
+                  <a:moveTo>
+                    <a:pt x="15386" y="14175"/>
+                  </a:moveTo>
+                  <a:lnTo>
+                    <a:pt x="6223" y="14175"/>
+                  </a:lnTo>
+                  <a:cubicBezTo>
+                    <a:pt x="5734" y="13446"/>
+                    <a:pt x="5147" y="12716"/>
+                    <a:pt x="4568" y="12003"/>
+                  </a:cubicBezTo>
+                  <a:cubicBezTo>
+                    <a:pt x="3287" y="10427"/>
+                    <a:pt x="1963" y="8797"/>
+                    <a:pt x="1963" y="7425"/>
+                  </a:cubicBezTo>
+                  <a:cubicBezTo>
+                    <a:pt x="1963" y="4075"/>
+                    <a:pt x="5927" y="1350"/>
+                    <a:pt x="10800" y="1350"/>
+                  </a:cubicBezTo>
+                  <a:cubicBezTo>
+                    <a:pt x="15672" y="1350"/>
+                    <a:pt x="19636" y="4075"/>
+                    <a:pt x="19636" y="7425"/>
+                  </a:cubicBezTo>
+                  <a:cubicBezTo>
+                    <a:pt x="19636" y="8787"/>
+                    <a:pt x="18312" y="10425"/>
+                    <a:pt x="17029" y="12011"/>
+                  </a:cubicBezTo>
+                  <a:cubicBezTo>
+                    <a:pt x="16455" y="12723"/>
+                    <a:pt x="15873" y="13449"/>
+                    <a:pt x="15386" y="14175"/>
+                  </a:cubicBezTo>
+                  <a:moveTo>
+                    <a:pt x="10800" y="20249"/>
+                  </a:moveTo>
+                  <a:cubicBezTo>
+                    <a:pt x="9805" y="20249"/>
+                    <a:pt x="9347" y="20171"/>
+                    <a:pt x="8839" y="19406"/>
+                  </a:cubicBezTo>
+                  <a:lnTo>
+                    <a:pt x="13000" y="19048"/>
+                  </a:lnTo>
+                  <a:cubicBezTo>
+                    <a:pt x="12398" y="20164"/>
+                    <a:pt x="11959" y="20249"/>
+                    <a:pt x="10800" y="20249"/>
+                  </a:cubicBezTo>
+                  <a:moveTo>
+                    <a:pt x="7595" y="16813"/>
+                  </a:moveTo>
+                  <a:cubicBezTo>
+                    <a:pt x="7417" y="16407"/>
+                    <a:pt x="7215" y="15978"/>
+                    <a:pt x="6991" y="15525"/>
+                  </a:cubicBezTo>
+                  <a:lnTo>
+                    <a:pt x="14616" y="15525"/>
+                  </a:lnTo>
+                  <a:cubicBezTo>
+                    <a:pt x="14496" y="15767"/>
+                    <a:pt x="14375" y="16010"/>
+                    <a:pt x="14270" y="16239"/>
+                  </a:cubicBezTo>
+                  <a:cubicBezTo>
+                    <a:pt x="14270" y="16239"/>
+                    <a:pt x="7595" y="16813"/>
+                    <a:pt x="7595" y="16813"/>
+                  </a:cubicBezTo>
+                  <a:close/>
+                  <a:moveTo>
+                    <a:pt x="13345" y="18343"/>
+                  </a:moveTo>
+                  <a:lnTo>
+                    <a:pt x="8476" y="18762"/>
+                  </a:lnTo>
+                  <a:cubicBezTo>
+                    <a:pt x="8303" y="18416"/>
+                    <a:pt x="8116" y="18011"/>
+                    <a:pt x="7890" y="17483"/>
+                  </a:cubicBezTo>
+                  <a:cubicBezTo>
+                    <a:pt x="7887" y="17477"/>
+                    <a:pt x="7883" y="17469"/>
+                    <a:pt x="7881" y="17462"/>
+                  </a:cubicBezTo>
+                  <a:lnTo>
+                    <a:pt x="13957" y="16941"/>
+                  </a:lnTo>
+                  <a:cubicBezTo>
+                    <a:pt x="13871" y="17140"/>
+                    <a:pt x="13778" y="17350"/>
+                    <a:pt x="13698" y="17537"/>
+                  </a:cubicBezTo>
+                  <a:cubicBezTo>
+                    <a:pt x="13569" y="17841"/>
+                    <a:pt x="13453" y="18104"/>
+                    <a:pt x="13345" y="18343"/>
+                  </a:cubicBezTo>
+                  <a:moveTo>
+                    <a:pt x="10800" y="0"/>
+                  </a:moveTo>
+                  <a:cubicBezTo>
+                    <a:pt x="4835" y="0"/>
+                    <a:pt x="0" y="3324"/>
+                    <a:pt x="0" y="7425"/>
+                  </a:cubicBezTo>
+                  <a:cubicBezTo>
+                    <a:pt x="0" y="10146"/>
+                    <a:pt x="3621" y="13029"/>
+                    <a:pt x="4939" y="15562"/>
+                  </a:cubicBezTo>
+                  <a:cubicBezTo>
+                    <a:pt x="6906" y="19339"/>
+                    <a:pt x="6688" y="21599"/>
+                    <a:pt x="10800" y="21599"/>
+                  </a:cubicBezTo>
+                  <a:cubicBezTo>
+                    <a:pt x="14972" y="21599"/>
+                    <a:pt x="14692" y="19349"/>
+                    <a:pt x="16660" y="15577"/>
+                  </a:cubicBezTo>
+                  <a:cubicBezTo>
+                    <a:pt x="17983" y="13039"/>
+                    <a:pt x="21600" y="10124"/>
+                    <a:pt x="21600" y="7425"/>
+                  </a:cubicBezTo>
+                  <a:cubicBezTo>
+                    <a:pt x="21600" y="3324"/>
+                    <a:pt x="16764" y="0"/>
+                    <a:pt x="10800" y="0"/>
+                  </a:cubicBezTo>
+                </a:path>
+              </a:pathLst>
+            </a:custGeom>
+            <a:grpFill/>
+            <a:ln>
+              <a:noFill/>
+            </a:ln>
+          </p:spPr>
+          <p:style>
+            <a:lnRef idx="2">
+              <a:schemeClr val="accent1">
+                <a:shade val="50000"/>
+              </a:schemeClr>
+            </a:lnRef>
+            <a:fillRef idx="1">
+              <a:schemeClr val="accent1"/>
+            </a:fillRef>
+            <a:effectRef idx="0">
+              <a:schemeClr val="accent1"/>
+            </a:effectRef>
+            <a:fontRef idx="minor">
+              <a:schemeClr val="lt1"/>
+            </a:fontRef>
+          </p:style>
+          <p:txBody>
+            <a:bodyPr rot="0" spcFirstLastPara="0" vertOverflow="overflow" horzOverflow="overflow" vert="horz" wrap="square" lIns="91440" tIns="45720" rIns="91440" bIns="45720" numCol="1" spcCol="0" rtlCol="0" fromWordArt="0" anchor="ctr" anchorCtr="0" forceAA="0" compatLnSpc="1">
+              <a:noAutofit/>
+            </a:bodyPr>
+            <a:lstStyle/>
+            <a:p>
+              <a:pPr algn="ctr"/>
+              <a:endParaRPr lang="en-US">
+                <a:solidFill>
+                  <a:schemeClr val="lt1"/>
+                </a:solidFill>
+                <a:latin typeface="阿里巴巴普惠体 R" panose="00020600040101010101" pitchFamily="18" charset="-122"/>
+              </a:endParaRPr>
+            </a:p>
+          </p:txBody>
+        </p:sp>
+        <p:sp>
+          <p:nvSpPr>
+            <p:cNvPr id="22" name="AutoShape 114"/>
+            <p:cNvSpPr/>
+            <p:nvPr/>
+          </p:nvSpPr>
+          <p:spPr bwMode="auto">
+            <a:xfrm>
+              <a:off x="3559873" y="3766460"/>
+              <a:ext cx="99281" cy="99281"/>
+            </a:xfrm>
+            <a:custGeom>
+              <a:avLst/>
+              <a:gdLst>
+                <a:gd name="T0" fmla="*/ 10800 w 21600"/>
+                <a:gd name="T1" fmla="*/ 10800 h 21600"/>
+                <a:gd name="T2" fmla="*/ 10800 w 21600"/>
+                <a:gd name="T3" fmla="*/ 10800 h 21600"/>
+                <a:gd name="T4" fmla="*/ 10800 w 21600"/>
+                <a:gd name="T5" fmla="*/ 10800 h 21600"/>
+                <a:gd name="T6" fmla="*/ 10800 w 21600"/>
+                <a:gd name="T7" fmla="*/ 10800 h 21600"/>
+              </a:gdLst>
+              <a:ahLst/>
+              <a:cxnLst>
+                <a:cxn ang="0">
+                  <a:pos x="T0" y="T1"/>
+                </a:cxn>
+                <a:cxn ang="0">
+                  <a:pos x="T2" y="T3"/>
+                </a:cxn>
+                <a:cxn ang="0">
+                  <a:pos x="T4" y="T5"/>
+                </a:cxn>
+                <a:cxn ang="0">
+                  <a:pos x="T6" y="T7"/>
+                </a:cxn>
+              </a:cxnLst>
+              <a:rect l="0" t="0" r="r" b="b"/>
+              <a:pathLst>
+                <a:path w="21600" h="21600">
+                  <a:moveTo>
+                    <a:pt x="19938" y="0"/>
+                  </a:moveTo>
+                  <a:cubicBezTo>
+                    <a:pt x="8943" y="0"/>
+                    <a:pt x="0" y="8942"/>
+                    <a:pt x="0" y="19938"/>
+                  </a:cubicBezTo>
+                  <a:cubicBezTo>
+                    <a:pt x="0" y="20855"/>
+                    <a:pt x="743" y="21600"/>
+                    <a:pt x="1661" y="21600"/>
+                  </a:cubicBezTo>
+                  <a:cubicBezTo>
+                    <a:pt x="2579" y="21600"/>
+                    <a:pt x="3323" y="20855"/>
+                    <a:pt x="3323" y="19938"/>
+                  </a:cubicBezTo>
+                  <a:cubicBezTo>
+                    <a:pt x="3323" y="10777"/>
+                    <a:pt x="10777" y="3323"/>
+                    <a:pt x="19938" y="3323"/>
+                  </a:cubicBezTo>
+                  <a:cubicBezTo>
+                    <a:pt x="20856" y="3323"/>
+                    <a:pt x="21600" y="2578"/>
+                    <a:pt x="21600" y="1661"/>
+                  </a:cubicBezTo>
+                  <a:cubicBezTo>
+                    <a:pt x="21600" y="744"/>
+                    <a:pt x="20856" y="0"/>
+                    <a:pt x="19938" y="0"/>
+                  </a:cubicBezTo>
+                </a:path>
+              </a:pathLst>
+            </a:custGeom>
+            <a:grpFill/>
+            <a:ln>
+              <a:noFill/>
+            </a:ln>
+          </p:spPr>
+          <p:style>
+            <a:lnRef idx="2">
+              <a:schemeClr val="accent1">
+                <a:shade val="50000"/>
+              </a:schemeClr>
+            </a:lnRef>
+            <a:fillRef idx="1">
+              <a:schemeClr val="accent1"/>
+            </a:fillRef>
+            <a:effectRef idx="0">
+              <a:schemeClr val="accent1"/>
+            </a:effectRef>
+            <a:fontRef idx="minor">
+              <a:schemeClr val="lt1"/>
+            </a:fontRef>
+          </p:style>
+          <p:txBody>
+            <a:bodyPr rot="0" spcFirstLastPara="0" vertOverflow="overflow" horzOverflow="overflow" vert="horz" wrap="square" lIns="91440" tIns="45720" rIns="91440" bIns="45720" numCol="1" spcCol="0" rtlCol="0" fromWordArt="0" anchor="ctr" anchorCtr="0" forceAA="0" compatLnSpc="1">
+              <a:noAutofit/>
+            </a:bodyPr>
+            <a:lstStyle/>
+            <a:p>
+              <a:pPr algn="ctr"/>
+              <a:endParaRPr lang="en-US">
+                <a:solidFill>
+                  <a:schemeClr val="lt1"/>
+                </a:solidFill>
+                <a:latin typeface="阿里巴巴普惠体 R" panose="00020600040101010101" pitchFamily="18" charset="-122"/>
+              </a:endParaRPr>
+            </a:p>
+          </p:txBody>
+        </p:sp>
+      </p:grpSp>
+      <p:sp>
+        <p:nvSpPr>
+          <p:cNvPr id="2" name="文本框 1">
+            <a:extLst>
+              <a:ext uri="{FF2B5EF4-FFF2-40B4-BE49-F238E27FC236}">
+                <a16:creationId xmlns:a16="http://schemas.microsoft.com/office/drawing/2014/main" id="{00752070-5F75-0CC4-7FF7-4E0011B027B9}"/>
+              </a:ext>
+            </a:extLst>
+          </p:cNvPr>
+          <p:cNvSpPr txBox="1"/>
+          <p:nvPr/>
+        </p:nvSpPr>
+        <p:spPr>
+          <a:xfrm>
+            <a:off x="1104900" y="2584667"/>
+            <a:ext cx="10432973" cy="2344360"/>
+          </a:xfrm>
+          <a:prstGeom prst="rect">
+            <a:avLst/>
+          </a:prstGeom>
+          <a:noFill/>
+        </p:spPr>
+        <p:txBody>
+          <a:bodyPr wrap="square" rtlCol="0">
+            <a:spAutoFit/>
+          </a:bodyPr>
+          <a:lstStyle/>
+          <a:p>
+            <a:pPr>
+              <a:lnSpc>
+                <a:spcPct val="150000"/>
+              </a:lnSpc>
+            </a:pPr>
+            <a:r>
+              <a:rPr kumimoji="1" lang="zh-CN" altLang="en-US" sz="2800" dirty="0">
+                <a:ea typeface="Yuanti SC" panose="02010600040101010101" pitchFamily="2" charset="-122"/>
+              </a:rPr>
+              <a:t>       </a:t>
+            </a:r>
+            <a:r>
+              <a:rPr kumimoji="1" lang="en" altLang="zh-CN" sz="2400" dirty="0">
+                <a:ea typeface="Yuanti SC" panose="02010600040101010101" pitchFamily="2" charset="-122"/>
+              </a:rPr>
+              <a:t>Through visualization and interaction of various charts, we analyzed the influence of six kinds of air pollutants and three meteorological factors on air quality in different provinces and cities in China over the past six years from different perspectives</a:t>
+            </a:r>
+            <a:endParaRPr kumimoji="1" lang="zh-CN" altLang="en-US" sz="2800" dirty="0">
+              <a:ea typeface="Yuanti SC" panose="02010600040101010101" pitchFamily="2" charset="-122"/>
+            </a:endParaRPr>
+          </a:p>
+        </p:txBody>
+      </p:sp>
+      <p:sp>
+        <p:nvSpPr>
+          <p:cNvPr id="8" name="矩形 7">
+            <a:extLst>
+              <a:ext uri="{FF2B5EF4-FFF2-40B4-BE49-F238E27FC236}">
+                <a16:creationId xmlns:a16="http://schemas.microsoft.com/office/drawing/2014/main" id="{9BBB44BA-3155-E7EF-E98B-D8FAC199BD4C}"/>
+              </a:ext>
+            </a:extLst>
+          </p:cNvPr>
+          <p:cNvSpPr/>
+          <p:nvPr/>
+        </p:nvSpPr>
+        <p:spPr>
+          <a:xfrm>
+            <a:off x="3779920" y="958850"/>
+            <a:ext cx="4455255" cy="1036184"/>
+          </a:xfrm>
+          <a:prstGeom prst="rect">
+            <a:avLst/>
+          </a:prstGeom>
+          <a:solidFill>
+            <a:srgbClr val="8FAADC"/>
+          </a:solidFill>
+          <a:ln>
+            <a:noFill/>
+          </a:ln>
+          <a:effectLst/>
+        </p:spPr>
+        <p:style>
+          <a:lnRef idx="2">
+            <a:schemeClr val="accent1">
+              <a:shade val="50000"/>
+            </a:schemeClr>
+          </a:lnRef>
+          <a:fillRef idx="1">
+            <a:schemeClr val="accent1"/>
+          </a:fillRef>
+          <a:effectRef idx="0">
+            <a:schemeClr val="accent1"/>
+          </a:effectRef>
+          <a:fontRef idx="minor">
+            <a:schemeClr val="lt1"/>
+          </a:fontRef>
+        </p:style>
+        <p:txBody>
+          <a:bodyPr rtlCol="0" anchor="ctr"/>
+          <a:lstStyle/>
+          <a:p>
+            <a:pPr algn="ctr" defTabSz="914400"/>
+            <a:endParaRPr lang="zh-CN" altLang="en-US">
+              <a:latin typeface="阿里巴巴普惠体 R" panose="00020600040101010101" pitchFamily="18" charset="-122"/>
+              <a:ea typeface="阿里巴巴普惠体 R" panose="00020600040101010101" pitchFamily="18" charset="-122"/>
+            </a:endParaRPr>
+          </a:p>
+        </p:txBody>
+      </p:sp>
+      <p:sp>
+        <p:nvSpPr>
+          <p:cNvPr id="10" name="文本框 9">
+            <a:extLst>
+              <a:ext uri="{FF2B5EF4-FFF2-40B4-BE49-F238E27FC236}">
+                <a16:creationId xmlns:a16="http://schemas.microsoft.com/office/drawing/2014/main" id="{449B5BE9-1E19-F2F7-5C1C-5CCC3F4E3101}"/>
+              </a:ext>
+            </a:extLst>
+          </p:cNvPr>
+          <p:cNvSpPr txBox="1"/>
+          <p:nvPr/>
+        </p:nvSpPr>
+        <p:spPr>
+          <a:xfrm>
+            <a:off x="4256925" y="1125916"/>
+            <a:ext cx="3501243" cy="499560"/>
+          </a:xfrm>
+          <a:prstGeom prst="rect">
+            <a:avLst/>
+          </a:prstGeom>
+          <a:noFill/>
+        </p:spPr>
+        <p:txBody>
+          <a:bodyPr wrap="square" rtlCol="0">
+            <a:spAutoFit/>
+          </a:bodyPr>
+          <a:lstStyle/>
+          <a:p>
+            <a:pPr algn="ctr">
+              <a:lnSpc>
+                <a:spcPct val="150000"/>
+              </a:lnSpc>
+            </a:pPr>
+            <a:r>
+              <a:rPr lang="en" altLang="zh-CN" sz="2000" dirty="0">
+                <a:solidFill>
+                  <a:schemeClr val="bg1"/>
+                </a:solidFill>
+                <a:latin typeface="阿里巴巴普惠体 R" panose="00020600040101010101" pitchFamily="18" charset="-122"/>
+                <a:ea typeface="阿里巴巴普惠体 R" panose="00020600040101010101" pitchFamily="18" charset="-122"/>
+              </a:rPr>
+              <a:t>System Content </a:t>
+            </a:r>
+            <a:r>
+              <a:rPr lang="en-US" altLang="zh-CN" sz="2000" dirty="0">
+                <a:solidFill>
+                  <a:schemeClr val="bg1"/>
+                </a:solidFill>
+                <a:latin typeface="阿里巴巴普惠体 R" panose="00020600040101010101" pitchFamily="18" charset="-122"/>
+                <a:ea typeface="阿里巴巴普惠体 R" panose="00020600040101010101" pitchFamily="18" charset="-122"/>
+              </a:rPr>
+              <a:t>O</a:t>
+            </a:r>
+            <a:r>
+              <a:rPr lang="en" altLang="zh-CN" sz="2000" dirty="0" err="1">
+                <a:solidFill>
+                  <a:schemeClr val="bg1"/>
+                </a:solidFill>
+                <a:latin typeface="阿里巴巴普惠体 R" panose="00020600040101010101" pitchFamily="18" charset="-122"/>
+                <a:ea typeface="阿里巴巴普惠体 R" panose="00020600040101010101" pitchFamily="18" charset="-122"/>
+              </a:rPr>
+              <a:t>verview</a:t>
+            </a:r>
+            <a:endParaRPr lang="en" altLang="zh-CN" sz="2000" dirty="0">
+              <a:solidFill>
+                <a:schemeClr val="bg1"/>
+              </a:solidFill>
+              <a:latin typeface="阿里巴巴普惠体 R" panose="00020600040101010101" pitchFamily="18" charset="-122"/>
+              <a:ea typeface="阿里巴巴普惠体 R" panose="00020600040101010101" pitchFamily="18" charset="-122"/>
+            </a:endParaRPr>
+          </a:p>
+        </p:txBody>
+      </p:sp>
+    </p:spTree>
+    <p:extLst>
+      <p:ext uri="{BB962C8B-B14F-4D97-AF65-F5344CB8AC3E}">
+        <p14:creationId xmlns:p14="http://schemas.microsoft.com/office/powerpoint/2010/main" val="3593888611"/>
+      </p:ext>
+    </p:extLst>
+  </p:cSld>
+  <p:clrMapOvr>
+    <a:masterClrMapping/>
+  </p:clrMapOvr>
+</p:sld>
+</file>
+
+<file path=ppt/slides/slide6.xml><?xml version="1.0" encoding="utf-8"?>
+<p:sld xmlns:a="http://schemas.openxmlformats.org/drawingml/2006/main" xmlns:r="http://schemas.openxmlformats.org/officeDocument/2006/relationships" xmlns:p="http://schemas.openxmlformats.org/presentationml/2006/main">
+  <p:cSld>
+    <p:spTree>
+      <p:nvGrpSpPr>
+        <p:cNvPr id="1" name=""/>
+        <p:cNvGrpSpPr/>
+        <p:nvPr/>
+      </p:nvGrpSpPr>
+      <p:grpSpPr>
+        <a:xfrm>
+          <a:off x="0" y="0"/>
+          <a:ext cx="0" cy="0"/>
+          <a:chOff x="0" y="0"/>
+          <a:chExt cx="0" cy="0"/>
+        </a:xfrm>
+      </p:grpSpPr>
       <p:sp>
         <p:nvSpPr>
           <p:cNvPr id="9" name="矩形 8"/>
@@ -13212,7 +15684,7 @@
 </p:sld>
 </file>
 
-<file path=ppt/slides/slide6.xml><?xml version="1.0" encoding="utf-8"?>
+<file path=ppt/slides/slide7.xml><?xml version="1.0" encoding="utf-8"?>
 <p:sld xmlns:a="http://schemas.openxmlformats.org/drawingml/2006/main" xmlns:r="http://schemas.openxmlformats.org/officeDocument/2006/relationships" xmlns:p="http://schemas.openxmlformats.org/presentationml/2006/main">
   <p:cSld>
     <p:spTree>
@@ -13612,7 +16084,7 @@
               </a:lnSpc>
             </a:pPr>
             <a:r>
-              <a:rPr lang="zh-CN" altLang="en-US" sz="2800" dirty="0">
+              <a:rPr kumimoji="1" lang="zh-CN" altLang="en-US" sz="2800" dirty="0">
                 <a:solidFill>
                   <a:schemeClr val="tx1">
                     <a:lumMod val="65000"/>
@@ -14022,7 +16494,7 @@
 </p:sld>
 </file>
 
-<file path=ppt/slides/slide7.xml><?xml version="1.0" encoding="utf-8"?>
+<file path=ppt/slides/slide8.xml><?xml version="1.0" encoding="utf-8"?>
 <p:sld xmlns:a="http://schemas.openxmlformats.org/drawingml/2006/main" xmlns:r="http://schemas.openxmlformats.org/officeDocument/2006/relationships" xmlns:p="http://schemas.openxmlformats.org/presentationml/2006/main">
   <p:cSld>
     <p:spTree>
@@ -15439,7 +17911,7 @@
 </p:sld>
 </file>
 
-<file path=ppt/slides/slide8.xml><?xml version="1.0" encoding="utf-8"?>
+<file path=ppt/slides/slide9.xml><?xml version="1.0" encoding="utf-8"?>
 <p:sld xmlns:a="http://schemas.openxmlformats.org/drawingml/2006/main" xmlns:r="http://schemas.openxmlformats.org/officeDocument/2006/relationships" xmlns:p="http://schemas.openxmlformats.org/presentationml/2006/main">
   <p:cSld>
     <p:spTree>
@@ -16258,906 +18730,6 @@
     <p:extLst>
       <p:ext uri="{BB962C8B-B14F-4D97-AF65-F5344CB8AC3E}">
         <p14:creationId xmlns:p14="http://schemas.microsoft.com/office/powerpoint/2010/main" val="4223624971"/>
-      </p:ext>
-    </p:extLst>
-  </p:cSld>
-  <p:clrMapOvr>
-    <a:masterClrMapping/>
-  </p:clrMapOvr>
-</p:sld>
-</file>
-
-<file path=ppt/slides/slide9.xml><?xml version="1.0" encoding="utf-8"?>
-<p:sld xmlns:a="http://schemas.openxmlformats.org/drawingml/2006/main" xmlns:r="http://schemas.openxmlformats.org/officeDocument/2006/relationships" xmlns:p="http://schemas.openxmlformats.org/presentationml/2006/main">
-  <p:cSld>
-    <p:spTree>
-      <p:nvGrpSpPr>
-        <p:cNvPr id="1" name=""/>
-        <p:cNvGrpSpPr/>
-        <p:nvPr/>
-      </p:nvGrpSpPr>
-      <p:grpSpPr>
-        <a:xfrm>
-          <a:off x="0" y="0"/>
-          <a:ext cx="0" cy="0"/>
-          <a:chOff x="0" y="0"/>
-          <a:chExt cx="0" cy="0"/>
-        </a:xfrm>
-      </p:grpSpPr>
-      <p:grpSp>
-        <p:nvGrpSpPr>
-          <p:cNvPr id="4" name="组合 3"/>
-          <p:cNvGrpSpPr/>
-          <p:nvPr/>
-        </p:nvGrpSpPr>
-        <p:grpSpPr>
-          <a:xfrm>
-            <a:off x="155341" y="384074"/>
-            <a:ext cx="1926590" cy="993140"/>
-            <a:chOff x="2669" y="4506"/>
-            <a:chExt cx="3034" cy="1564"/>
-          </a:xfrm>
-        </p:grpSpPr>
-        <p:sp>
-          <p:nvSpPr>
-            <p:cNvPr id="6" name="矩形: 圆角 5"/>
-            <p:cNvSpPr/>
-            <p:nvPr/>
-          </p:nvSpPr>
-          <p:spPr>
-            <a:xfrm>
-              <a:off x="3107" y="4506"/>
-              <a:ext cx="2158" cy="963"/>
-            </a:xfrm>
-            <a:prstGeom prst="roundRect">
-              <a:avLst>
-                <a:gd name="adj" fmla="val 8280"/>
-              </a:avLst>
-            </a:prstGeom>
-            <a:solidFill>
-              <a:schemeClr val="accent1">
-                <a:lumMod val="60000"/>
-                <a:lumOff val="40000"/>
-              </a:schemeClr>
-            </a:solidFill>
-            <a:ln>
-              <a:noFill/>
-            </a:ln>
-          </p:spPr>
-          <p:style>
-            <a:lnRef idx="2">
-              <a:schemeClr val="accent1">
-                <a:shade val="50000"/>
-              </a:schemeClr>
-            </a:lnRef>
-            <a:fillRef idx="1">
-              <a:schemeClr val="accent1"/>
-            </a:fillRef>
-            <a:effectRef idx="0">
-              <a:schemeClr val="accent1"/>
-            </a:effectRef>
-            <a:fontRef idx="minor">
-              <a:schemeClr val="lt1"/>
-            </a:fontRef>
-          </p:style>
-          <p:txBody>
-            <a:bodyPr vertOverflow="overflow" horzOverflow="overflow" vert="horz" wrap="square" numCol="1" spcCol="0" rtlCol="0" fromWordArt="0" anchor="ctr" anchorCtr="0" forceAA="0" compatLnSpc="1">
-              <a:noAutofit/>
-            </a:bodyPr>
-            <a:lstStyle/>
-            <a:p>
-              <a:pPr lvl="0" algn="ctr">
-                <a:buClrTx/>
-                <a:buSzTx/>
-                <a:buFontTx/>
-              </a:pPr>
-              <a:endParaRPr lang="zh-CN" altLang="en-US">
-                <a:latin typeface="阿里巴巴普惠体 R" panose="00020600040101010101" pitchFamily="18" charset="-122"/>
-                <a:ea typeface="阿里巴巴普惠体 R" panose="00020600040101010101" pitchFamily="18" charset="-122"/>
-                <a:sym typeface="+mn-ea"/>
-              </a:endParaRPr>
-            </a:p>
-          </p:txBody>
-        </p:sp>
-        <p:sp>
-          <p:nvSpPr>
-            <p:cNvPr id="28" name="文本框 27"/>
-            <p:cNvSpPr txBox="1"/>
-            <p:nvPr/>
-          </p:nvSpPr>
-          <p:spPr>
-            <a:xfrm>
-              <a:off x="2669" y="4672"/>
-              <a:ext cx="3034" cy="630"/>
-            </a:xfrm>
-            <a:prstGeom prst="rect">
-              <a:avLst/>
-            </a:prstGeom>
-            <a:noFill/>
-          </p:spPr>
-          <p:txBody>
-            <a:bodyPr wrap="square" rtlCol="0">
-              <a:spAutoFit/>
-            </a:bodyPr>
-            <a:lstStyle/>
-            <a:p>
-              <a:pPr algn="ctr"/>
-              <a:r>
-                <a:rPr lang="en-US" altLang="zh-CN" sz="2000" dirty="0">
-                  <a:solidFill>
-                    <a:schemeClr val="bg1"/>
-                  </a:solidFill>
-                  <a:latin typeface="Montserrat Medium" panose="00000600000000000000" charset="0"/>
-                  <a:ea typeface="阿里巴巴普惠体 R" panose="00020600040101010101" pitchFamily="18" charset="-122"/>
-                  <a:cs typeface="Montserrat Medium" panose="00000600000000000000" charset="0"/>
-                </a:rPr>
-                <a:t>Schedule</a:t>
-              </a:r>
-              <a:endParaRPr lang="en-US" altLang="zh-CN" sz="2400" dirty="0">
-                <a:solidFill>
-                  <a:schemeClr val="bg1"/>
-                </a:solidFill>
-                <a:latin typeface="Montserrat Medium" panose="00000600000000000000" charset="0"/>
-                <a:ea typeface="阿里巴巴普惠体 R" panose="00020600040101010101" pitchFamily="18" charset="-122"/>
-                <a:cs typeface="Montserrat Medium" panose="00000600000000000000" charset="0"/>
-              </a:endParaRPr>
-            </a:p>
-          </p:txBody>
-        </p:sp>
-        <p:pic>
-          <p:nvPicPr>
-            <p:cNvPr id="32" name="图片 31"/>
-            <p:cNvPicPr>
-              <a:picLocks noChangeAspect="1"/>
-            </p:cNvPicPr>
-            <p:nvPr/>
-          </p:nvPicPr>
-          <p:blipFill rotWithShape="1">
-            <a:blip r:embed="rId2" cstate="print">
-              <a:duotone>
-                <a:schemeClr val="bg2">
-                  <a:shade val="45000"/>
-                  <a:satMod val="135000"/>
-                </a:schemeClr>
-                <a:prstClr val="white"/>
-              </a:duotone>
-              <a:extLst>
-                <a:ext uri="{28A0092B-C50C-407E-A947-70E740481C1C}">
-                  <a14:useLocalDpi xmlns:a14="http://schemas.microsoft.com/office/drawing/2010/main" val="0"/>
-                </a:ext>
-              </a:extLst>
-            </a:blip>
-            <a:srcRect/>
-            <a:stretch>
-              <a:fillRect/>
-            </a:stretch>
-          </p:blipFill>
-          <p:spPr>
-            <a:xfrm>
-              <a:off x="2925" y="5213"/>
-              <a:ext cx="1300" cy="857"/>
-            </a:xfrm>
-            <a:prstGeom prst="rect">
-              <a:avLst/>
-            </a:prstGeom>
-          </p:spPr>
-        </p:pic>
-      </p:grpSp>
-      <p:grpSp>
-        <p:nvGrpSpPr>
-          <p:cNvPr id="20" name="组合 19"/>
-          <p:cNvGrpSpPr/>
-          <p:nvPr/>
-        </p:nvGrpSpPr>
-        <p:grpSpPr>
-          <a:xfrm>
-            <a:off x="7105068" y="2219088"/>
-            <a:ext cx="320285" cy="466879"/>
-            <a:chOff x="3483951" y="3689703"/>
-            <a:chExt cx="335391" cy="488901"/>
-          </a:xfrm>
-          <a:solidFill>
-            <a:schemeClr val="bg1"/>
-          </a:solidFill>
-        </p:grpSpPr>
-        <p:sp>
-          <p:nvSpPr>
-            <p:cNvPr id="21" name="AutoShape 113"/>
-            <p:cNvSpPr/>
-            <p:nvPr/>
-          </p:nvSpPr>
-          <p:spPr bwMode="auto">
-            <a:xfrm>
-              <a:off x="3483951" y="3689703"/>
-              <a:ext cx="335391" cy="488901"/>
-            </a:xfrm>
-            <a:custGeom>
-              <a:avLst/>
-              <a:gdLst>
-                <a:gd name="T0" fmla="*/ 10800 w 21600"/>
-                <a:gd name="T1" fmla="*/ 10800 h 21600"/>
-                <a:gd name="T2" fmla="*/ 10800 w 21600"/>
-                <a:gd name="T3" fmla="*/ 10800 h 21600"/>
-                <a:gd name="T4" fmla="*/ 10800 w 21600"/>
-                <a:gd name="T5" fmla="*/ 10800 h 21600"/>
-                <a:gd name="T6" fmla="*/ 10800 w 21600"/>
-                <a:gd name="T7" fmla="*/ 10800 h 21600"/>
-              </a:gdLst>
-              <a:ahLst/>
-              <a:cxnLst>
-                <a:cxn ang="0">
-                  <a:pos x="T0" y="T1"/>
-                </a:cxn>
-                <a:cxn ang="0">
-                  <a:pos x="T2" y="T3"/>
-                </a:cxn>
-                <a:cxn ang="0">
-                  <a:pos x="T4" y="T5"/>
-                </a:cxn>
-                <a:cxn ang="0">
-                  <a:pos x="T6" y="T7"/>
-                </a:cxn>
-              </a:cxnLst>
-              <a:rect l="0" t="0" r="r" b="b"/>
-              <a:pathLst>
-                <a:path w="21600" h="21600">
-                  <a:moveTo>
-                    <a:pt x="15386" y="14175"/>
-                  </a:moveTo>
-                  <a:lnTo>
-                    <a:pt x="6223" y="14175"/>
-                  </a:lnTo>
-                  <a:cubicBezTo>
-                    <a:pt x="5734" y="13446"/>
-                    <a:pt x="5147" y="12716"/>
-                    <a:pt x="4568" y="12003"/>
-                  </a:cubicBezTo>
-                  <a:cubicBezTo>
-                    <a:pt x="3287" y="10427"/>
-                    <a:pt x="1963" y="8797"/>
-                    <a:pt x="1963" y="7425"/>
-                  </a:cubicBezTo>
-                  <a:cubicBezTo>
-                    <a:pt x="1963" y="4075"/>
-                    <a:pt x="5927" y="1350"/>
-                    <a:pt x="10800" y="1350"/>
-                  </a:cubicBezTo>
-                  <a:cubicBezTo>
-                    <a:pt x="15672" y="1350"/>
-                    <a:pt x="19636" y="4075"/>
-                    <a:pt x="19636" y="7425"/>
-                  </a:cubicBezTo>
-                  <a:cubicBezTo>
-                    <a:pt x="19636" y="8787"/>
-                    <a:pt x="18312" y="10425"/>
-                    <a:pt x="17029" y="12011"/>
-                  </a:cubicBezTo>
-                  <a:cubicBezTo>
-                    <a:pt x="16455" y="12723"/>
-                    <a:pt x="15873" y="13449"/>
-                    <a:pt x="15386" y="14175"/>
-                  </a:cubicBezTo>
-                  <a:moveTo>
-                    <a:pt x="10800" y="20249"/>
-                  </a:moveTo>
-                  <a:cubicBezTo>
-                    <a:pt x="9805" y="20249"/>
-                    <a:pt x="9347" y="20171"/>
-                    <a:pt x="8839" y="19406"/>
-                  </a:cubicBezTo>
-                  <a:lnTo>
-                    <a:pt x="13000" y="19048"/>
-                  </a:lnTo>
-                  <a:cubicBezTo>
-                    <a:pt x="12398" y="20164"/>
-                    <a:pt x="11959" y="20249"/>
-                    <a:pt x="10800" y="20249"/>
-                  </a:cubicBezTo>
-                  <a:moveTo>
-                    <a:pt x="7595" y="16813"/>
-                  </a:moveTo>
-                  <a:cubicBezTo>
-                    <a:pt x="7417" y="16407"/>
-                    <a:pt x="7215" y="15978"/>
-                    <a:pt x="6991" y="15525"/>
-                  </a:cubicBezTo>
-                  <a:lnTo>
-                    <a:pt x="14616" y="15525"/>
-                  </a:lnTo>
-                  <a:cubicBezTo>
-                    <a:pt x="14496" y="15767"/>
-                    <a:pt x="14375" y="16010"/>
-                    <a:pt x="14270" y="16239"/>
-                  </a:cubicBezTo>
-                  <a:cubicBezTo>
-                    <a:pt x="14270" y="16239"/>
-                    <a:pt x="7595" y="16813"/>
-                    <a:pt x="7595" y="16813"/>
-                  </a:cubicBezTo>
-                  <a:close/>
-                  <a:moveTo>
-                    <a:pt x="13345" y="18343"/>
-                  </a:moveTo>
-                  <a:lnTo>
-                    <a:pt x="8476" y="18762"/>
-                  </a:lnTo>
-                  <a:cubicBezTo>
-                    <a:pt x="8303" y="18416"/>
-                    <a:pt x="8116" y="18011"/>
-                    <a:pt x="7890" y="17483"/>
-                  </a:cubicBezTo>
-                  <a:cubicBezTo>
-                    <a:pt x="7887" y="17477"/>
-                    <a:pt x="7883" y="17469"/>
-                    <a:pt x="7881" y="17462"/>
-                  </a:cubicBezTo>
-                  <a:lnTo>
-                    <a:pt x="13957" y="16941"/>
-                  </a:lnTo>
-                  <a:cubicBezTo>
-                    <a:pt x="13871" y="17140"/>
-                    <a:pt x="13778" y="17350"/>
-                    <a:pt x="13698" y="17537"/>
-                  </a:cubicBezTo>
-                  <a:cubicBezTo>
-                    <a:pt x="13569" y="17841"/>
-                    <a:pt x="13453" y="18104"/>
-                    <a:pt x="13345" y="18343"/>
-                  </a:cubicBezTo>
-                  <a:moveTo>
-                    <a:pt x="10800" y="0"/>
-                  </a:moveTo>
-                  <a:cubicBezTo>
-                    <a:pt x="4835" y="0"/>
-                    <a:pt x="0" y="3324"/>
-                    <a:pt x="0" y="7425"/>
-                  </a:cubicBezTo>
-                  <a:cubicBezTo>
-                    <a:pt x="0" y="10146"/>
-                    <a:pt x="3621" y="13029"/>
-                    <a:pt x="4939" y="15562"/>
-                  </a:cubicBezTo>
-                  <a:cubicBezTo>
-                    <a:pt x="6906" y="19339"/>
-                    <a:pt x="6688" y="21599"/>
-                    <a:pt x="10800" y="21599"/>
-                  </a:cubicBezTo>
-                  <a:cubicBezTo>
-                    <a:pt x="14972" y="21599"/>
-                    <a:pt x="14692" y="19349"/>
-                    <a:pt x="16660" y="15577"/>
-                  </a:cubicBezTo>
-                  <a:cubicBezTo>
-                    <a:pt x="17983" y="13039"/>
-                    <a:pt x="21600" y="10124"/>
-                    <a:pt x="21600" y="7425"/>
-                  </a:cubicBezTo>
-                  <a:cubicBezTo>
-                    <a:pt x="21600" y="3324"/>
-                    <a:pt x="16764" y="0"/>
-                    <a:pt x="10800" y="0"/>
-                  </a:cubicBezTo>
-                </a:path>
-              </a:pathLst>
-            </a:custGeom>
-            <a:grpFill/>
-            <a:ln>
-              <a:noFill/>
-            </a:ln>
-          </p:spPr>
-          <p:style>
-            <a:lnRef idx="2">
-              <a:schemeClr val="accent1">
-                <a:shade val="50000"/>
-              </a:schemeClr>
-            </a:lnRef>
-            <a:fillRef idx="1">
-              <a:schemeClr val="accent1"/>
-            </a:fillRef>
-            <a:effectRef idx="0">
-              <a:schemeClr val="accent1"/>
-            </a:effectRef>
-            <a:fontRef idx="minor">
-              <a:schemeClr val="lt1"/>
-            </a:fontRef>
-          </p:style>
-          <p:txBody>
-            <a:bodyPr rot="0" spcFirstLastPara="0" vertOverflow="overflow" horzOverflow="overflow" vert="horz" wrap="square" lIns="91440" tIns="45720" rIns="91440" bIns="45720" numCol="1" spcCol="0" rtlCol="0" fromWordArt="0" anchor="ctr" anchorCtr="0" forceAA="0" compatLnSpc="1">
-              <a:noAutofit/>
-            </a:bodyPr>
-            <a:lstStyle/>
-            <a:p>
-              <a:pPr algn="ctr"/>
-              <a:endParaRPr lang="en-US">
-                <a:solidFill>
-                  <a:schemeClr val="lt1"/>
-                </a:solidFill>
-                <a:latin typeface="阿里巴巴普惠体 R" panose="00020600040101010101" pitchFamily="18" charset="-122"/>
-              </a:endParaRPr>
-            </a:p>
-          </p:txBody>
-        </p:sp>
-        <p:sp>
-          <p:nvSpPr>
-            <p:cNvPr id="22" name="AutoShape 114"/>
-            <p:cNvSpPr/>
-            <p:nvPr/>
-          </p:nvSpPr>
-          <p:spPr bwMode="auto">
-            <a:xfrm>
-              <a:off x="3559873" y="3766460"/>
-              <a:ext cx="99281" cy="99281"/>
-            </a:xfrm>
-            <a:custGeom>
-              <a:avLst/>
-              <a:gdLst>
-                <a:gd name="T0" fmla="*/ 10800 w 21600"/>
-                <a:gd name="T1" fmla="*/ 10800 h 21600"/>
-                <a:gd name="T2" fmla="*/ 10800 w 21600"/>
-                <a:gd name="T3" fmla="*/ 10800 h 21600"/>
-                <a:gd name="T4" fmla="*/ 10800 w 21600"/>
-                <a:gd name="T5" fmla="*/ 10800 h 21600"/>
-                <a:gd name="T6" fmla="*/ 10800 w 21600"/>
-                <a:gd name="T7" fmla="*/ 10800 h 21600"/>
-              </a:gdLst>
-              <a:ahLst/>
-              <a:cxnLst>
-                <a:cxn ang="0">
-                  <a:pos x="T0" y="T1"/>
-                </a:cxn>
-                <a:cxn ang="0">
-                  <a:pos x="T2" y="T3"/>
-                </a:cxn>
-                <a:cxn ang="0">
-                  <a:pos x="T4" y="T5"/>
-                </a:cxn>
-                <a:cxn ang="0">
-                  <a:pos x="T6" y="T7"/>
-                </a:cxn>
-              </a:cxnLst>
-              <a:rect l="0" t="0" r="r" b="b"/>
-              <a:pathLst>
-                <a:path w="21600" h="21600">
-                  <a:moveTo>
-                    <a:pt x="19938" y="0"/>
-                  </a:moveTo>
-                  <a:cubicBezTo>
-                    <a:pt x="8943" y="0"/>
-                    <a:pt x="0" y="8942"/>
-                    <a:pt x="0" y="19938"/>
-                  </a:cubicBezTo>
-                  <a:cubicBezTo>
-                    <a:pt x="0" y="20855"/>
-                    <a:pt x="743" y="21600"/>
-                    <a:pt x="1661" y="21600"/>
-                  </a:cubicBezTo>
-                  <a:cubicBezTo>
-                    <a:pt x="2579" y="21600"/>
-                    <a:pt x="3323" y="20855"/>
-                    <a:pt x="3323" y="19938"/>
-                  </a:cubicBezTo>
-                  <a:cubicBezTo>
-                    <a:pt x="3323" y="10777"/>
-                    <a:pt x="10777" y="3323"/>
-                    <a:pt x="19938" y="3323"/>
-                  </a:cubicBezTo>
-                  <a:cubicBezTo>
-                    <a:pt x="20856" y="3323"/>
-                    <a:pt x="21600" y="2578"/>
-                    <a:pt x="21600" y="1661"/>
-                  </a:cubicBezTo>
-                  <a:cubicBezTo>
-                    <a:pt x="21600" y="744"/>
-                    <a:pt x="20856" y="0"/>
-                    <a:pt x="19938" y="0"/>
-                  </a:cubicBezTo>
-                </a:path>
-              </a:pathLst>
-            </a:custGeom>
-            <a:grpFill/>
-            <a:ln>
-              <a:noFill/>
-            </a:ln>
-          </p:spPr>
-          <p:style>
-            <a:lnRef idx="2">
-              <a:schemeClr val="accent1">
-                <a:shade val="50000"/>
-              </a:schemeClr>
-            </a:lnRef>
-            <a:fillRef idx="1">
-              <a:schemeClr val="accent1"/>
-            </a:fillRef>
-            <a:effectRef idx="0">
-              <a:schemeClr val="accent1"/>
-            </a:effectRef>
-            <a:fontRef idx="minor">
-              <a:schemeClr val="lt1"/>
-            </a:fontRef>
-          </p:style>
-          <p:txBody>
-            <a:bodyPr rot="0" spcFirstLastPara="0" vertOverflow="overflow" horzOverflow="overflow" vert="horz" wrap="square" lIns="91440" tIns="45720" rIns="91440" bIns="45720" numCol="1" spcCol="0" rtlCol="0" fromWordArt="0" anchor="ctr" anchorCtr="0" forceAA="0" compatLnSpc="1">
-              <a:noAutofit/>
-            </a:bodyPr>
-            <a:lstStyle/>
-            <a:p>
-              <a:pPr algn="ctr"/>
-              <a:endParaRPr lang="en-US">
-                <a:solidFill>
-                  <a:schemeClr val="lt1"/>
-                </a:solidFill>
-                <a:latin typeface="阿里巴巴普惠体 R" panose="00020600040101010101" pitchFamily="18" charset="-122"/>
-              </a:endParaRPr>
-            </a:p>
-          </p:txBody>
-        </p:sp>
-      </p:grpSp>
-      <p:sp>
-        <p:nvSpPr>
-          <p:cNvPr id="8" name="矩形 7">
-            <a:extLst>
-              <a:ext uri="{FF2B5EF4-FFF2-40B4-BE49-F238E27FC236}">
-                <a16:creationId xmlns:a16="http://schemas.microsoft.com/office/drawing/2014/main" id="{9BBB44BA-3155-E7EF-E98B-D8FAC199BD4C}"/>
-              </a:ext>
-            </a:extLst>
-          </p:cNvPr>
-          <p:cNvSpPr/>
-          <p:nvPr/>
-        </p:nvSpPr>
-        <p:spPr>
-          <a:xfrm>
-            <a:off x="3072437" y="606667"/>
-            <a:ext cx="5630888" cy="935269"/>
-          </a:xfrm>
-          <a:prstGeom prst="rect">
-            <a:avLst/>
-          </a:prstGeom>
-          <a:solidFill>
-            <a:srgbClr val="8FAADC"/>
-          </a:solidFill>
-          <a:ln>
-            <a:noFill/>
-          </a:ln>
-          <a:effectLst/>
-        </p:spPr>
-        <p:style>
-          <a:lnRef idx="2">
-            <a:schemeClr val="accent1">
-              <a:shade val="50000"/>
-            </a:schemeClr>
-          </a:lnRef>
-          <a:fillRef idx="1">
-            <a:schemeClr val="accent1"/>
-          </a:fillRef>
-          <a:effectRef idx="0">
-            <a:schemeClr val="accent1"/>
-          </a:effectRef>
-          <a:fontRef idx="minor">
-            <a:schemeClr val="lt1"/>
-          </a:fontRef>
-        </p:style>
-        <p:txBody>
-          <a:bodyPr rtlCol="0" anchor="ctr"/>
-          <a:lstStyle/>
-          <a:p>
-            <a:pPr algn="ctr" defTabSz="914400"/>
-            <a:endParaRPr lang="zh-CN" altLang="en-US" dirty="0">
-              <a:latin typeface="阿里巴巴普惠体 R" panose="00020600040101010101" pitchFamily="18" charset="-122"/>
-              <a:ea typeface="阿里巴巴普惠体 R" panose="00020600040101010101" pitchFamily="18" charset="-122"/>
-            </a:endParaRPr>
-          </a:p>
-        </p:txBody>
-      </p:sp>
-      <p:sp>
-        <p:nvSpPr>
-          <p:cNvPr id="10" name="文本框 9">
-            <a:extLst>
-              <a:ext uri="{FF2B5EF4-FFF2-40B4-BE49-F238E27FC236}">
-                <a16:creationId xmlns:a16="http://schemas.microsoft.com/office/drawing/2014/main" id="{449B5BE9-1E19-F2F7-5C1C-5CCC3F4E3101}"/>
-              </a:ext>
-            </a:extLst>
-          </p:cNvPr>
-          <p:cNvSpPr txBox="1"/>
-          <p:nvPr/>
-        </p:nvSpPr>
-        <p:spPr>
-          <a:xfrm>
-            <a:off x="3360092" y="621506"/>
-            <a:ext cx="5063345" cy="743986"/>
-          </a:xfrm>
-          <a:prstGeom prst="rect">
-            <a:avLst/>
-          </a:prstGeom>
-          <a:noFill/>
-        </p:spPr>
-        <p:txBody>
-          <a:bodyPr wrap="square" rtlCol="0">
-            <a:spAutoFit/>
-          </a:bodyPr>
-          <a:lstStyle/>
-          <a:p>
-            <a:pPr algn="ctr">
-              <a:lnSpc>
-                <a:spcPct val="150000"/>
-              </a:lnSpc>
-            </a:pPr>
-            <a:r>
-              <a:rPr lang="en" altLang="zh-CN" sz="3200" dirty="0">
-                <a:solidFill>
-                  <a:schemeClr val="bg1"/>
-                </a:solidFill>
-                <a:latin typeface="阿里巴巴普惠体 R" panose="00020600040101010101" pitchFamily="18" charset="-122"/>
-                <a:ea typeface="阿里巴巴普惠体 R" panose="00020600040101010101" pitchFamily="18" charset="-122"/>
-              </a:rPr>
-              <a:t>Arrangement</a:t>
-            </a:r>
-            <a:endParaRPr lang="zh-CN" altLang="en-US" sz="3200" dirty="0">
-              <a:solidFill>
-                <a:schemeClr val="bg1"/>
-              </a:solidFill>
-              <a:latin typeface="阿里巴巴普惠体 R" panose="00020600040101010101" pitchFamily="18" charset="-122"/>
-              <a:ea typeface="阿里巴巴普惠体 R" panose="00020600040101010101" pitchFamily="18" charset="-122"/>
-            </a:endParaRPr>
-          </a:p>
-        </p:txBody>
-      </p:sp>
-      <p:sp>
-        <p:nvSpPr>
-          <p:cNvPr id="3" name="文本框 2">
-            <a:extLst>
-              <a:ext uri="{FF2B5EF4-FFF2-40B4-BE49-F238E27FC236}">
-                <a16:creationId xmlns:a16="http://schemas.microsoft.com/office/drawing/2014/main" id="{FAF4E99B-91D8-7FDD-5464-2D865ABC4AA9}"/>
-              </a:ext>
-            </a:extLst>
-          </p:cNvPr>
-          <p:cNvSpPr txBox="1"/>
-          <p:nvPr/>
-        </p:nvSpPr>
-        <p:spPr>
-          <a:xfrm>
-            <a:off x="692150" y="2492023"/>
-            <a:ext cx="10432973" cy="3221523"/>
-          </a:xfrm>
-          <a:prstGeom prst="rect">
-            <a:avLst/>
-          </a:prstGeom>
-          <a:noFill/>
-        </p:spPr>
-        <p:txBody>
-          <a:bodyPr wrap="square" rtlCol="0">
-            <a:spAutoFit/>
-          </a:bodyPr>
-          <a:lstStyle/>
-          <a:p>
-            <a:pPr>
-              <a:lnSpc>
-                <a:spcPct val="150000"/>
-              </a:lnSpc>
-            </a:pPr>
-            <a:r>
-              <a:rPr lang="zh-CN" altLang="en-US" sz="2400" dirty="0">
-                <a:solidFill>
-                  <a:schemeClr val="tx1">
-                    <a:lumMod val="65000"/>
-                    <a:lumOff val="35000"/>
-                  </a:schemeClr>
-                </a:solidFill>
-                <a:ea typeface="阿里巴巴普惠体 R" panose="00020600040101010101" pitchFamily="18" charset="-122"/>
-              </a:rPr>
-              <a:t>        </a:t>
-            </a:r>
-            <a:r>
-              <a:rPr lang="zh-CN" altLang="en-US" kern="100" dirty="0">
-                <a:latin typeface="DengXian" panose="02010600030101010101" pitchFamily="2" charset="-122"/>
-                <a:ea typeface="DengXian" panose="02010600030101010101" pitchFamily="2" charset="-122"/>
-                <a:cs typeface="Times New Roman" panose="02020603050405020304" pitchFamily="18" charset="0"/>
-              </a:rPr>
-              <a:t>许文杰：</a:t>
-            </a:r>
-            <a:r>
-              <a:rPr lang="en-GB" altLang="zh-CN" kern="100" dirty="0">
-                <a:latin typeface="DengXian" panose="02010600030101010101" pitchFamily="2" charset="-122"/>
-                <a:ea typeface="DengXian" panose="02010600030101010101" pitchFamily="2" charset="-122"/>
-                <a:cs typeface="Times New Roman" panose="02020603050405020304" pitchFamily="18" charset="0"/>
-              </a:rPr>
-              <a:t> Demand Analysis</a:t>
-            </a:r>
-            <a:r>
-              <a:rPr lang="zh-CN" altLang="en-US" kern="100" dirty="0">
-                <a:latin typeface="DengXian" panose="02010600030101010101" pitchFamily="2" charset="-122"/>
-                <a:ea typeface="DengXian" panose="02010600030101010101" pitchFamily="2" charset="-122"/>
-                <a:cs typeface="Times New Roman" panose="02020603050405020304" pitchFamily="18" charset="0"/>
-              </a:rPr>
-              <a:t>、</a:t>
-            </a:r>
-            <a:r>
-              <a:rPr lang="en-US" altLang="zh-CN" kern="100" dirty="0">
-                <a:latin typeface="DengXian" panose="02010600030101010101" pitchFamily="2" charset="-122"/>
-                <a:ea typeface="DengXian" panose="02010600030101010101" pitchFamily="2" charset="-122"/>
-                <a:cs typeface="Times New Roman" panose="02020603050405020304" pitchFamily="18" charset="0"/>
-              </a:rPr>
-              <a:t>Outline Design</a:t>
-            </a:r>
-            <a:r>
-              <a:rPr lang="zh-CN" altLang="en-US" kern="100" dirty="0">
-                <a:latin typeface="DengXian" panose="02010600030101010101" pitchFamily="2" charset="-122"/>
-                <a:ea typeface="DengXian" panose="02010600030101010101" pitchFamily="2" charset="-122"/>
-                <a:cs typeface="Times New Roman" panose="02020603050405020304" pitchFamily="18" charset="0"/>
-              </a:rPr>
-              <a:t>、</a:t>
-            </a:r>
-            <a:r>
-              <a:rPr lang="en-US" altLang="zh-CN" kern="100" dirty="0">
-                <a:latin typeface="DengXian" panose="02010600030101010101" pitchFamily="2" charset="-122"/>
-                <a:ea typeface="DengXian" panose="02010600030101010101" pitchFamily="2" charset="-122"/>
-                <a:cs typeface="Times New Roman" panose="02020603050405020304" pitchFamily="18" charset="0"/>
-              </a:rPr>
-              <a:t>Detailed Design</a:t>
-            </a:r>
-            <a:r>
-              <a:rPr lang="zh-CN" altLang="en-US" kern="100" dirty="0">
-                <a:latin typeface="DengXian" panose="02010600030101010101" pitchFamily="2" charset="-122"/>
-                <a:ea typeface="DengXian" panose="02010600030101010101" pitchFamily="2" charset="-122"/>
-                <a:cs typeface="Times New Roman" panose="02020603050405020304" pitchFamily="18" charset="0"/>
-              </a:rPr>
-              <a:t>、</a:t>
-            </a:r>
-            <a:r>
-              <a:rPr lang="en-GB" altLang="zh-CN" kern="100" dirty="0">
-                <a:latin typeface="DengXian" panose="02010600030101010101" pitchFamily="2" charset="-122"/>
-                <a:ea typeface="DengXian" panose="02010600030101010101" pitchFamily="2" charset="-122"/>
-                <a:cs typeface="Times New Roman" panose="02020603050405020304" pitchFamily="18" charset="0"/>
-              </a:rPr>
-              <a:t> Back-end Implementation</a:t>
-            </a:r>
-          </a:p>
-          <a:p>
-            <a:pPr>
-              <a:lnSpc>
-                <a:spcPct val="150000"/>
-              </a:lnSpc>
-            </a:pPr>
-            <a:endParaRPr lang="en-GB" altLang="zh-CN" kern="100" dirty="0">
-              <a:latin typeface="DengXian" panose="02010600030101010101" pitchFamily="2" charset="-122"/>
-              <a:ea typeface="DengXian" panose="02010600030101010101" pitchFamily="2" charset="-122"/>
-              <a:cs typeface="Times New Roman" panose="02020603050405020304" pitchFamily="18" charset="0"/>
-            </a:endParaRPr>
-          </a:p>
-          <a:p>
-            <a:pPr>
-              <a:lnSpc>
-                <a:spcPct val="150000"/>
-              </a:lnSpc>
-            </a:pPr>
-            <a:r>
-              <a:rPr lang="en-GB" altLang="zh-CN" kern="100" dirty="0">
-                <a:latin typeface="DengXian" panose="02010600030101010101" pitchFamily="2" charset="-122"/>
-                <a:ea typeface="DengXian" panose="02010600030101010101" pitchFamily="2" charset="-122"/>
-                <a:cs typeface="Times New Roman" panose="02020603050405020304" pitchFamily="18" charset="0"/>
-              </a:rPr>
-              <a:t> </a:t>
-            </a:r>
-            <a:r>
-              <a:rPr lang="en-US" altLang="en-GB" kern="100" dirty="0">
-                <a:latin typeface="DengXian" panose="02010600030101010101" pitchFamily="2" charset="-122"/>
-                <a:ea typeface="DengXian" panose="02010600030101010101" pitchFamily="2" charset="-122"/>
-                <a:cs typeface="Times New Roman" panose="02020603050405020304" pitchFamily="18" charset="0"/>
-              </a:rPr>
-              <a:t>          </a:t>
-            </a:r>
-            <a:r>
-              <a:rPr lang="zh-CN" altLang="en-US" kern="100" dirty="0">
-                <a:latin typeface="DengXian" panose="02010600030101010101" pitchFamily="2" charset="-122"/>
-                <a:ea typeface="DengXian" panose="02010600030101010101" pitchFamily="2" charset="-122"/>
-                <a:cs typeface="Times New Roman" panose="02020603050405020304" pitchFamily="18" charset="0"/>
-              </a:rPr>
-              <a:t>陆仟龙：</a:t>
-            </a:r>
-            <a:r>
-              <a:rPr lang="en-US" altLang="zh-CN" kern="100" dirty="0">
-                <a:latin typeface="DengXian" panose="02010600030101010101" pitchFamily="2" charset="-122"/>
-                <a:ea typeface="DengXian" panose="02010600030101010101" pitchFamily="2" charset="-122"/>
-                <a:cs typeface="Times New Roman" panose="02020603050405020304" pitchFamily="18" charset="0"/>
-              </a:rPr>
-              <a:t>Main </a:t>
-            </a:r>
-            <a:r>
-              <a:rPr lang="zh-CN" altLang="en-US" kern="100" dirty="0">
-                <a:latin typeface="DengXian" panose="02010600030101010101" pitchFamily="2" charset="-122"/>
-                <a:ea typeface="DengXian" panose="02010600030101010101" pitchFamily="2" charset="-122"/>
-                <a:cs typeface="Times New Roman" panose="02020603050405020304" pitchFamily="18" charset="0"/>
-              </a:rPr>
-              <a:t>Front-end implementation</a:t>
-            </a:r>
-            <a:endParaRPr lang="en-US" altLang="zh-CN" kern="100" dirty="0">
-              <a:latin typeface="DengXian" panose="02010600030101010101" pitchFamily="2" charset="-122"/>
-              <a:ea typeface="DengXian" panose="02010600030101010101" pitchFamily="2" charset="-122"/>
-              <a:cs typeface="Times New Roman" panose="02020603050405020304" pitchFamily="18" charset="0"/>
-            </a:endParaRPr>
-          </a:p>
-          <a:p>
-            <a:pPr>
-              <a:lnSpc>
-                <a:spcPct val="150000"/>
-              </a:lnSpc>
-            </a:pPr>
-            <a:endParaRPr lang="en-US" altLang="zh-CN" kern="100" dirty="0">
-              <a:latin typeface="DengXian" panose="02010600030101010101" pitchFamily="2" charset="-122"/>
-              <a:ea typeface="DengXian" panose="02010600030101010101" pitchFamily="2" charset="-122"/>
-              <a:cs typeface="Times New Roman" panose="02020603050405020304" pitchFamily="18" charset="0"/>
-            </a:endParaRPr>
-          </a:p>
-          <a:p>
-            <a:pPr>
-              <a:lnSpc>
-                <a:spcPct val="150000"/>
-              </a:lnSpc>
-            </a:pPr>
-            <a:r>
-              <a:rPr lang="en-US" altLang="zh-CN" kern="100" dirty="0">
-                <a:latin typeface="DengXian" panose="02010600030101010101" pitchFamily="2" charset="-122"/>
-                <a:ea typeface="DengXian" panose="02010600030101010101" pitchFamily="2" charset="-122"/>
-                <a:cs typeface="Times New Roman" panose="02020603050405020304" pitchFamily="18" charset="0"/>
-              </a:rPr>
-              <a:t>           </a:t>
-            </a:r>
-            <a:r>
-              <a:rPr lang="zh-CN" altLang="en-US" kern="100" dirty="0">
-                <a:latin typeface="DengXian" panose="02010600030101010101" pitchFamily="2" charset="-122"/>
-                <a:ea typeface="DengXian" panose="02010600030101010101" pitchFamily="2" charset="-122"/>
-                <a:cs typeface="Times New Roman" panose="02020603050405020304" pitchFamily="18" charset="0"/>
-              </a:rPr>
-              <a:t>赵睿睿：Provide front-end development ideas and requirements、</a:t>
-            </a:r>
-            <a:r>
-              <a:rPr lang="zh-CN" altLang="en-US" kern="100" dirty="0">
-                <a:latin typeface="DengXian" panose="02010600030101010101" pitchFamily="2" charset="-122"/>
-                <a:ea typeface="DengXian" panose="02010600030101010101" pitchFamily="2" charset="-122"/>
-                <a:cs typeface="Times New Roman" panose="02020603050405020304" pitchFamily="18" charset="0"/>
-                <a:sym typeface="+mn-ea"/>
-              </a:rPr>
-              <a:t>interface debugging</a:t>
-            </a:r>
-            <a:endParaRPr lang="zh-CN" altLang="en-US" kern="100" dirty="0">
-              <a:latin typeface="DengXian" panose="02010600030101010101" pitchFamily="2" charset="-122"/>
-              <a:ea typeface="DengXian" panose="02010600030101010101" pitchFamily="2" charset="-122"/>
-              <a:cs typeface="Times New Roman" panose="02020603050405020304" pitchFamily="18" charset="0"/>
-            </a:endParaRPr>
-          </a:p>
-          <a:p>
-            <a:pPr indent="457200">
-              <a:lnSpc>
-                <a:spcPct val="150000"/>
-              </a:lnSpc>
-            </a:pPr>
-            <a:endParaRPr lang="zh-CN" altLang="en-US" kern="100" dirty="0">
-              <a:latin typeface="DengXian" panose="02010600030101010101" pitchFamily="2" charset="-122"/>
-              <a:ea typeface="DengXian" panose="02010600030101010101" pitchFamily="2" charset="-122"/>
-              <a:cs typeface="Times New Roman" panose="02020603050405020304" pitchFamily="18" charset="0"/>
-            </a:endParaRPr>
-          </a:p>
-          <a:p>
-            <a:pPr>
-              <a:lnSpc>
-                <a:spcPct val="150000"/>
-              </a:lnSpc>
-            </a:pPr>
-            <a:endParaRPr lang="zh-CN" altLang="en-US" sz="2400" dirty="0">
-              <a:solidFill>
-                <a:schemeClr val="tx1">
-                  <a:lumMod val="65000"/>
-                  <a:lumOff val="35000"/>
-                </a:schemeClr>
-              </a:solidFill>
-              <a:ea typeface="阿里巴巴普惠体 R" panose="00020600040101010101" pitchFamily="18" charset="-122"/>
-            </a:endParaRPr>
-          </a:p>
-        </p:txBody>
-      </p:sp>
-    </p:spTree>
-    <p:extLst>
-      <p:ext uri="{BB962C8B-B14F-4D97-AF65-F5344CB8AC3E}">
-        <p14:creationId xmlns:p14="http://schemas.microsoft.com/office/powerpoint/2010/main" val="3228179274"/>
       </p:ext>
     </p:extLst>
   </p:cSld>
